--- a/01 - Introduction/documents/Introduction à Deno.pptx
+++ b/01 - Introduction/documents/Introduction à Deno.pptx
@@ -295,7 +295,7 @@
           <a:p>
             <a:fld id="{CD5AFD8F-5A94-48C1-88E7-572D0183627F}" type="datetimeFigureOut">
               <a:rPr lang="fr-FR" smtClean="0"/>
-              <a:t>23/11/2022</a:t>
+              <a:t>28/01/2023</a:t>
             </a:fld>
             <a:endParaRPr lang="fr-FR"/>
           </a:p>
@@ -540,7 +540,7 @@
           <a:p>
             <a:fld id="{CD5AFD8F-5A94-48C1-88E7-572D0183627F}" type="datetimeFigureOut">
               <a:rPr lang="fr-FR" smtClean="0"/>
-              <a:t>23/11/2022</a:t>
+              <a:t>28/01/2023</a:t>
             </a:fld>
             <a:endParaRPr lang="fr-FR"/>
           </a:p>
@@ -748,7 +748,7 @@
           <a:p>
             <a:fld id="{CD5AFD8F-5A94-48C1-88E7-572D0183627F}" type="datetimeFigureOut">
               <a:rPr lang="fr-FR" smtClean="0"/>
-              <a:t>23/11/2022</a:t>
+              <a:t>28/01/2023</a:t>
             </a:fld>
             <a:endParaRPr lang="fr-FR"/>
           </a:p>
@@ -946,7 +946,7 @@
           <a:p>
             <a:fld id="{CD5AFD8F-5A94-48C1-88E7-572D0183627F}" type="datetimeFigureOut">
               <a:rPr lang="fr-FR" smtClean="0"/>
-              <a:t>23/11/2022</a:t>
+              <a:t>28/01/2023</a:t>
             </a:fld>
             <a:endParaRPr lang="fr-FR"/>
           </a:p>
@@ -1221,7 +1221,7 @@
           <a:p>
             <a:fld id="{CD5AFD8F-5A94-48C1-88E7-572D0183627F}" type="datetimeFigureOut">
               <a:rPr lang="fr-FR" smtClean="0"/>
-              <a:t>23/11/2022</a:t>
+              <a:t>28/01/2023</a:t>
             </a:fld>
             <a:endParaRPr lang="fr-FR"/>
           </a:p>
@@ -1486,7 +1486,7 @@
           <a:p>
             <a:fld id="{CD5AFD8F-5A94-48C1-88E7-572D0183627F}" type="datetimeFigureOut">
               <a:rPr lang="fr-FR" smtClean="0"/>
-              <a:t>23/11/2022</a:t>
+              <a:t>28/01/2023</a:t>
             </a:fld>
             <a:endParaRPr lang="fr-FR"/>
           </a:p>
@@ -1898,7 +1898,7 @@
           <a:p>
             <a:fld id="{CD5AFD8F-5A94-48C1-88E7-572D0183627F}" type="datetimeFigureOut">
               <a:rPr lang="fr-FR" smtClean="0"/>
-              <a:t>23/11/2022</a:t>
+              <a:t>28/01/2023</a:t>
             </a:fld>
             <a:endParaRPr lang="fr-FR"/>
           </a:p>
@@ -2039,7 +2039,7 @@
           <a:p>
             <a:fld id="{CD5AFD8F-5A94-48C1-88E7-572D0183627F}" type="datetimeFigureOut">
               <a:rPr lang="fr-FR" smtClean="0"/>
-              <a:t>23/11/2022</a:t>
+              <a:t>28/01/2023</a:t>
             </a:fld>
             <a:endParaRPr lang="fr-FR"/>
           </a:p>
@@ -2152,7 +2152,7 @@
           <a:p>
             <a:fld id="{CD5AFD8F-5A94-48C1-88E7-572D0183627F}" type="datetimeFigureOut">
               <a:rPr lang="fr-FR" smtClean="0"/>
-              <a:t>23/11/2022</a:t>
+              <a:t>28/01/2023</a:t>
             </a:fld>
             <a:endParaRPr lang="fr-FR"/>
           </a:p>
@@ -2463,7 +2463,7 @@
           <a:p>
             <a:fld id="{CD5AFD8F-5A94-48C1-88E7-572D0183627F}" type="datetimeFigureOut">
               <a:rPr lang="fr-FR" smtClean="0"/>
-              <a:t>23/11/2022</a:t>
+              <a:t>28/01/2023</a:t>
             </a:fld>
             <a:endParaRPr lang="fr-FR"/>
           </a:p>
@@ -2751,7 +2751,7 @@
           <a:p>
             <a:fld id="{CD5AFD8F-5A94-48C1-88E7-572D0183627F}" type="datetimeFigureOut">
               <a:rPr lang="fr-FR" smtClean="0"/>
-              <a:t>23/11/2022</a:t>
+              <a:t>28/01/2023</a:t>
             </a:fld>
             <a:endParaRPr lang="fr-FR"/>
           </a:p>
@@ -2995,7 +2995,7 @@
           <a:p>
             <a:fld id="{CD5AFD8F-5A94-48C1-88E7-572D0183627F}" type="datetimeFigureOut">
               <a:rPr lang="fr-FR" smtClean="0"/>
-              <a:t>23/11/2022</a:t>
+              <a:t>28/01/2023</a:t>
             </a:fld>
             <a:endParaRPr lang="fr-FR"/>
           </a:p>
@@ -3622,13 +3622,16 @@
               </a:rPr>
               <a:t>Deno</a:t>
             </a:r>
-            <a:endParaRPr lang="fr-FR" b="1" dirty="0">
-              <a:solidFill>
-                <a:srgbClr val="F9FAFB"/>
-              </a:solidFill>
-              <a:latin typeface="Segoe UI" panose="020B0502040204020203" pitchFamily="34" charset="0"/>
-              <a:cs typeface="Segoe UI" panose="020B0502040204020203" pitchFamily="34" charset="0"/>
-            </a:endParaRPr>
+            <a:r>
+              <a:rPr lang="fr-FR" b="1" dirty="0">
+                <a:solidFill>
+                  <a:srgbClr val="F9FAFB"/>
+                </a:solidFill>
+                <a:latin typeface="Segoe UI" panose="020B0502040204020203" pitchFamily="34" charset="0"/>
+                <a:cs typeface="Segoe UI" panose="020B0502040204020203" pitchFamily="34" charset="0"/>
+              </a:rPr>
+              <a:t> 1.29</a:t>
+            </a:r>
           </a:p>
         </p:txBody>
       </p:sp>
@@ -6551,8 +6554,22 @@
                   <a:srgbClr val="F2F2F2"/>
                 </a:solidFill>
               </a:rPr>
-              <a:t> : https://deno.land/manual@v1.28.1/introduction</a:t>
-            </a:r>
+              <a:t> : </a:t>
+            </a:r>
+            <a:r>
+              <a:rPr lang="fr-FR" dirty="0">
+                <a:solidFill>
+                  <a:srgbClr val="F2F2F2"/>
+                </a:solidFill>
+                <a:hlinkClick r:id="rId2"/>
+              </a:rPr>
+              <a:t>https://deno.land/manual@v1.28.1/introduction</a:t>
+            </a:r>
+            <a:endParaRPr lang="fr-FR" dirty="0">
+              <a:solidFill>
+                <a:srgbClr val="F2F2F2"/>
+              </a:solidFill>
+            </a:endParaRPr>
           </a:p>
           <a:p>
             <a:pPr marL="342900" indent="-342900" algn="just">
@@ -6560,11 +6577,66 @@
               <a:buChar char="•"/>
             </a:pPr>
             <a:r>
+              <a:rPr lang="fr-FR" b="1" dirty="0">
+                <a:solidFill>
+                  <a:srgbClr val="F2F2F2"/>
+                </a:solidFill>
+              </a:rPr>
+              <a:t>Nouveautés </a:t>
+            </a:r>
+            <a:r>
               <a:rPr lang="fr-FR" b="1" dirty="0" err="1">
                 <a:solidFill>
                   <a:srgbClr val="F2F2F2"/>
                 </a:solidFill>
               </a:rPr>
+              <a:t>Deno</a:t>
+            </a:r>
+            <a:r>
+              <a:rPr lang="fr-FR" b="1" dirty="0">
+                <a:solidFill>
+                  <a:srgbClr val="F2F2F2"/>
+                </a:solidFill>
+              </a:rPr>
+              <a:t> 1.28 à 1.29 </a:t>
+            </a:r>
+            <a:r>
+              <a:rPr lang="fr-FR" dirty="0">
+                <a:solidFill>
+                  <a:srgbClr val="F2F2F2"/>
+                </a:solidFill>
+              </a:rPr>
+              <a:t>: </a:t>
+            </a:r>
+            <a:r>
+              <a:rPr lang="fr-FR" dirty="0">
+                <a:solidFill>
+                  <a:srgbClr val="F2F2F2"/>
+                </a:solidFill>
+                <a:hlinkClick r:id="rId3"/>
+              </a:rPr>
+              <a:t>https://deno.com/blog/v1.29</a:t>
+            </a:r>
+            <a:r>
+              <a:rPr lang="fr-FR" dirty="0">
+                <a:solidFill>
+                  <a:srgbClr val="F2F2F2"/>
+                </a:solidFill>
+              </a:rPr>
+              <a:t> </a:t>
+            </a:r>
+          </a:p>
+          <a:p>
+            <a:pPr marL="342900" indent="-342900" algn="just">
+              <a:buFont typeface="Arial" panose="020B0604020202020204" pitchFamily="34" charset="0"/>
+              <a:buChar char="•"/>
+            </a:pPr>
+            <a:r>
+              <a:rPr lang="fr-FR" b="1" dirty="0" err="1">
+                <a:solidFill>
+                  <a:srgbClr val="F2F2F2"/>
+                </a:solidFill>
+              </a:rPr>
               <a:t>DenoDeploy</a:t>
             </a:r>
             <a:r>
@@ -6573,7 +6645,23 @@
                   <a:srgbClr val="F2F2F2"/>
                 </a:solidFill>
               </a:rPr>
-              <a:t> : plateforme de déploiement (gratuit)</a:t>
+              <a:t> : plateforme de déploiement on the </a:t>
+            </a:r>
+            <a:r>
+              <a:rPr lang="fr-FR" dirty="0" err="1">
+                <a:solidFill>
+                  <a:srgbClr val="F2F2F2"/>
+                </a:solidFill>
+              </a:rPr>
+              <a:t>edge</a:t>
+            </a:r>
+            <a:r>
+              <a:rPr lang="fr-FR" dirty="0">
+                <a:solidFill>
+                  <a:srgbClr val="F2F2F2"/>
+                </a:solidFill>
+              </a:rPr>
+              <a:t> (gratuit)</a:t>
             </a:r>
           </a:p>
           <a:p>
@@ -6984,13 +7072,13 @@
             <p:nvPr/>
           </p:nvPicPr>
           <p:blipFill>
-            <a:blip r:embed="rId2">
+            <a:blip r:embed="rId4">
               <a:extLst>
                 <a:ext uri="{28A0092B-C50C-407E-A947-70E740481C1C}">
                   <a14:useLocalDpi xmlns:a14="http://schemas.microsoft.com/office/drawing/2010/main" val="0"/>
                 </a:ext>
                 <a:ext uri="{96DAC541-7B7A-43D3-8B79-37D633B846F1}">
-                  <asvg:svgBlip xmlns:asvg="http://schemas.microsoft.com/office/drawing/2016/SVG/main" r:embed="rId3"/>
+                  <asvg:svgBlip xmlns:asvg="http://schemas.microsoft.com/office/drawing/2016/SVG/main" r:embed="rId5"/>
                 </a:ext>
               </a:extLst>
             </a:blip>
@@ -7616,7 +7704,7 @@
                   <a:srgbClr val="F2F2F2"/>
                 </a:solidFill>
               </a:rPr>
-              <a:t>Principe : </a:t>
+              <a:t>Principe (selon la faisabilité) : </a:t>
             </a:r>
           </a:p>
           <a:p>
@@ -7679,7 +7767,7 @@
                   <a:srgbClr val="F2F2F2"/>
                 </a:solidFill>
               </a:rPr>
-              <a:t>Date : Fin décembre / Début janvier</a:t>
+              <a:t>Date : 10 février (dans une semaine) si tout va bien</a:t>
             </a:r>
           </a:p>
         </p:txBody>
@@ -8243,7 +8331,7 @@
         <p:spPr>
           <a:xfrm>
             <a:off x="979905" y="4321768"/>
-            <a:ext cx="3911859" cy="1200329"/>
+            <a:ext cx="3911859" cy="923330"/>
           </a:xfrm>
           <a:prstGeom prst="rect">
             <a:avLst/>
@@ -8291,19 +8379,8 @@
                 </a:solidFill>
                 <a:hlinkClick r:id="rId4"/>
               </a:rPr>
-              <a:t>https://github.com/CPU-Paris/Ateliers-deno/tree/main/01 - Introduction</a:t>
-            </a:r>
-            <a:r>
-              <a:rPr lang="fr-FR" dirty="0">
-                <a:solidFill>
-                  <a:srgbClr val="F2F2F2"/>
-                </a:solidFill>
-              </a:rPr>
-              <a:t> </a:t>
-            </a:r>
-          </a:p>
-          <a:p>
-            <a:pPr algn="just"/>
+              <a:t>https://github.com/OnePantheon/Ateliers-deno/tree/main/01 - Introduction</a:t>
+            </a:r>
             <a:endParaRPr lang="fr-FR" dirty="0">
               <a:solidFill>
                 <a:srgbClr val="F2F2F2"/>

--- a/01 - Introduction/documents/Introduction à Deno.pptx
+++ b/01 - Introduction/documents/Introduction à Deno.pptx
@@ -4,6 +4,9 @@
   <p:sldMasterIdLst>
     <p:sldMasterId id="2147483648" r:id="rId4"/>
   </p:sldMasterIdLst>
+  <p:notesMasterIdLst>
+    <p:notesMasterId r:id="rId23"/>
+  </p:notesMasterIdLst>
   <p:sldIdLst>
     <p:sldId id="256" r:id="rId5"/>
     <p:sldId id="257" r:id="rId6"/>
@@ -148,6 +151,1860 @@
 </p1510:revInfo>
 </file>
 
+<file path=ppt/notesMasters/notesMaster1.xml><?xml version="1.0" encoding="utf-8"?>
+<p:notesMaster xmlns:a="http://schemas.openxmlformats.org/drawingml/2006/main" xmlns:r="http://schemas.openxmlformats.org/officeDocument/2006/relationships" xmlns:p="http://schemas.openxmlformats.org/presentationml/2006/main">
+  <p:cSld>
+    <p:bg>
+      <p:bgRef idx="1001">
+        <a:schemeClr val="bg1"/>
+      </p:bgRef>
+    </p:bg>
+    <p:spTree>
+      <p:nvGrpSpPr>
+        <p:cNvPr id="1" name=""/>
+        <p:cNvGrpSpPr/>
+        <p:nvPr/>
+      </p:nvGrpSpPr>
+      <p:grpSpPr>
+        <a:xfrm>
+          <a:off x="0" y="0"/>
+          <a:ext cx="0" cy="0"/>
+          <a:chOff x="0" y="0"/>
+          <a:chExt cx="0" cy="0"/>
+        </a:xfrm>
+      </p:grpSpPr>
+      <p:sp>
+        <p:nvSpPr>
+          <p:cNvPr id="2" name="Espace réservé de l'en-tête 1"/>
+          <p:cNvSpPr>
+            <a:spLocks noGrp="1"/>
+          </p:cNvSpPr>
+          <p:nvPr>
+            <p:ph type="hdr" sz="quarter"/>
+          </p:nvPr>
+        </p:nvSpPr>
+        <p:spPr>
+          <a:xfrm>
+            <a:off x="0" y="0"/>
+            <a:ext cx="2971800" cy="458788"/>
+          </a:xfrm>
+          <a:prstGeom prst="rect">
+            <a:avLst/>
+          </a:prstGeom>
+        </p:spPr>
+        <p:txBody>
+          <a:bodyPr vert="horz" lIns="91440" tIns="45720" rIns="91440" bIns="45720" rtlCol="0"/>
+          <a:lstStyle>
+            <a:lvl1pPr algn="l">
+              <a:defRPr sz="1200"/>
+            </a:lvl1pPr>
+          </a:lstStyle>
+          <a:p>
+            <a:endParaRPr lang="fr-FR"/>
+          </a:p>
+        </p:txBody>
+      </p:sp>
+      <p:sp>
+        <p:nvSpPr>
+          <p:cNvPr id="3" name="Espace réservé de la date 2"/>
+          <p:cNvSpPr>
+            <a:spLocks noGrp="1"/>
+          </p:cNvSpPr>
+          <p:nvPr>
+            <p:ph type="dt" idx="1"/>
+          </p:nvPr>
+        </p:nvSpPr>
+        <p:spPr>
+          <a:xfrm>
+            <a:off x="3884613" y="0"/>
+            <a:ext cx="2971800" cy="458788"/>
+          </a:xfrm>
+          <a:prstGeom prst="rect">
+            <a:avLst/>
+          </a:prstGeom>
+        </p:spPr>
+        <p:txBody>
+          <a:bodyPr vert="horz" lIns="91440" tIns="45720" rIns="91440" bIns="45720" rtlCol="0"/>
+          <a:lstStyle>
+            <a:lvl1pPr algn="r">
+              <a:defRPr sz="1200"/>
+            </a:lvl1pPr>
+          </a:lstStyle>
+          <a:p>
+            <a:fld id="{2037FBD7-2019-4374-937A-AEDD8199B19C}" type="datetimeFigureOut">
+              <a:rPr lang="fr-FR" smtClean="0"/>
+              <a:t>31/01/2023</a:t>
+            </a:fld>
+            <a:endParaRPr lang="fr-FR"/>
+          </a:p>
+        </p:txBody>
+      </p:sp>
+      <p:sp>
+        <p:nvSpPr>
+          <p:cNvPr id="4" name="Espace réservé de l'image des diapositives 3"/>
+          <p:cNvSpPr>
+            <a:spLocks noGrp="1" noRot="1" noChangeAspect="1"/>
+          </p:cNvSpPr>
+          <p:nvPr>
+            <p:ph type="sldImg" idx="2"/>
+          </p:nvPr>
+        </p:nvSpPr>
+        <p:spPr>
+          <a:xfrm>
+            <a:off x="685800" y="1143000"/>
+            <a:ext cx="5486400" cy="3086100"/>
+          </a:xfrm>
+          <a:prstGeom prst="rect">
+            <a:avLst/>
+          </a:prstGeom>
+          <a:noFill/>
+          <a:ln w="12700">
+            <a:solidFill>
+              <a:prstClr val="black"/>
+            </a:solidFill>
+          </a:ln>
+        </p:spPr>
+        <p:txBody>
+          <a:bodyPr vert="horz" lIns="91440" tIns="45720" rIns="91440" bIns="45720" rtlCol="0" anchor="ctr"/>
+          <a:lstStyle/>
+          <a:p>
+            <a:endParaRPr lang="fr-FR"/>
+          </a:p>
+        </p:txBody>
+      </p:sp>
+      <p:sp>
+        <p:nvSpPr>
+          <p:cNvPr id="5" name="Espace réservé des notes 4"/>
+          <p:cNvSpPr>
+            <a:spLocks noGrp="1"/>
+          </p:cNvSpPr>
+          <p:nvPr>
+            <p:ph type="body" sz="quarter" idx="3"/>
+          </p:nvPr>
+        </p:nvSpPr>
+        <p:spPr>
+          <a:xfrm>
+            <a:off x="685800" y="4400550"/>
+            <a:ext cx="5486400" cy="3600450"/>
+          </a:xfrm>
+          <a:prstGeom prst="rect">
+            <a:avLst/>
+          </a:prstGeom>
+        </p:spPr>
+        <p:txBody>
+          <a:bodyPr vert="horz" lIns="91440" tIns="45720" rIns="91440" bIns="45720" rtlCol="0"/>
+          <a:lstStyle/>
+          <a:p>
+            <a:pPr lvl="0"/>
+            <a:r>
+              <a:rPr lang="fr-FR"/>
+              <a:t>Cliquez pour modifier les styles du texte du masque</a:t>
+            </a:r>
+          </a:p>
+          <a:p>
+            <a:pPr lvl="1"/>
+            <a:r>
+              <a:rPr lang="fr-FR"/>
+              <a:t>Deuxième niveau</a:t>
+            </a:r>
+          </a:p>
+          <a:p>
+            <a:pPr lvl="2"/>
+            <a:r>
+              <a:rPr lang="fr-FR"/>
+              <a:t>Troisième niveau</a:t>
+            </a:r>
+          </a:p>
+          <a:p>
+            <a:pPr lvl="3"/>
+            <a:r>
+              <a:rPr lang="fr-FR"/>
+              <a:t>Quatrième niveau</a:t>
+            </a:r>
+          </a:p>
+          <a:p>
+            <a:pPr lvl="4"/>
+            <a:r>
+              <a:rPr lang="fr-FR"/>
+              <a:t>Cinquième niveau</a:t>
+            </a:r>
+          </a:p>
+        </p:txBody>
+      </p:sp>
+      <p:sp>
+        <p:nvSpPr>
+          <p:cNvPr id="6" name="Espace réservé du pied de page 5"/>
+          <p:cNvSpPr>
+            <a:spLocks noGrp="1"/>
+          </p:cNvSpPr>
+          <p:nvPr>
+            <p:ph type="ftr" sz="quarter" idx="4"/>
+          </p:nvPr>
+        </p:nvSpPr>
+        <p:spPr>
+          <a:xfrm>
+            <a:off x="0" y="8685213"/>
+            <a:ext cx="2971800" cy="458787"/>
+          </a:xfrm>
+          <a:prstGeom prst="rect">
+            <a:avLst/>
+          </a:prstGeom>
+        </p:spPr>
+        <p:txBody>
+          <a:bodyPr vert="horz" lIns="91440" tIns="45720" rIns="91440" bIns="45720" rtlCol="0" anchor="b"/>
+          <a:lstStyle>
+            <a:lvl1pPr algn="l">
+              <a:defRPr sz="1200"/>
+            </a:lvl1pPr>
+          </a:lstStyle>
+          <a:p>
+            <a:endParaRPr lang="fr-FR"/>
+          </a:p>
+        </p:txBody>
+      </p:sp>
+      <p:sp>
+        <p:nvSpPr>
+          <p:cNvPr id="7" name="Espace réservé du numéro de diapositive 6"/>
+          <p:cNvSpPr>
+            <a:spLocks noGrp="1"/>
+          </p:cNvSpPr>
+          <p:nvPr>
+            <p:ph type="sldNum" sz="quarter" idx="5"/>
+          </p:nvPr>
+        </p:nvSpPr>
+        <p:spPr>
+          <a:xfrm>
+            <a:off x="3884613" y="8685213"/>
+            <a:ext cx="2971800" cy="458787"/>
+          </a:xfrm>
+          <a:prstGeom prst="rect">
+            <a:avLst/>
+          </a:prstGeom>
+        </p:spPr>
+        <p:txBody>
+          <a:bodyPr vert="horz" lIns="91440" tIns="45720" rIns="91440" bIns="45720" rtlCol="0" anchor="b"/>
+          <a:lstStyle>
+            <a:lvl1pPr algn="r">
+              <a:defRPr sz="1200"/>
+            </a:lvl1pPr>
+          </a:lstStyle>
+          <a:p>
+            <a:fld id="{C35508AD-A6C7-4AD1-8595-1ADBE703DE36}" type="slidenum">
+              <a:rPr lang="fr-FR" smtClean="0"/>
+              <a:t>‹N°›</a:t>
+            </a:fld>
+            <a:endParaRPr lang="fr-FR"/>
+          </a:p>
+        </p:txBody>
+      </p:sp>
+    </p:spTree>
+    <p:extLst>
+      <p:ext uri="{BB962C8B-B14F-4D97-AF65-F5344CB8AC3E}">
+        <p14:creationId xmlns:p14="http://schemas.microsoft.com/office/powerpoint/2010/main" val="2872850247"/>
+      </p:ext>
+    </p:extLst>
+  </p:cSld>
+  <p:clrMap bg1="lt1" tx1="dk1" bg2="lt2" tx2="dk2" accent1="accent1" accent2="accent2" accent3="accent3" accent4="accent4" accent5="accent5" accent6="accent6" hlink="hlink" folHlink="folHlink"/>
+  <p:notesStyle>
+    <a:lvl1pPr marL="0" algn="l" defTabSz="914400" rtl="0" eaLnBrk="1" latinLnBrk="0" hangingPunct="1">
+      <a:defRPr sz="1200" kern="1200">
+        <a:solidFill>
+          <a:schemeClr val="tx1"/>
+        </a:solidFill>
+        <a:latin typeface="+mn-lt"/>
+        <a:ea typeface="+mn-ea"/>
+        <a:cs typeface="+mn-cs"/>
+      </a:defRPr>
+    </a:lvl1pPr>
+    <a:lvl2pPr marL="457200" algn="l" defTabSz="914400" rtl="0" eaLnBrk="1" latinLnBrk="0" hangingPunct="1">
+      <a:defRPr sz="1200" kern="1200">
+        <a:solidFill>
+          <a:schemeClr val="tx1"/>
+        </a:solidFill>
+        <a:latin typeface="+mn-lt"/>
+        <a:ea typeface="+mn-ea"/>
+        <a:cs typeface="+mn-cs"/>
+      </a:defRPr>
+    </a:lvl2pPr>
+    <a:lvl3pPr marL="914400" algn="l" defTabSz="914400" rtl="0" eaLnBrk="1" latinLnBrk="0" hangingPunct="1">
+      <a:defRPr sz="1200" kern="1200">
+        <a:solidFill>
+          <a:schemeClr val="tx1"/>
+        </a:solidFill>
+        <a:latin typeface="+mn-lt"/>
+        <a:ea typeface="+mn-ea"/>
+        <a:cs typeface="+mn-cs"/>
+      </a:defRPr>
+    </a:lvl3pPr>
+    <a:lvl4pPr marL="1371600" algn="l" defTabSz="914400" rtl="0" eaLnBrk="1" latinLnBrk="0" hangingPunct="1">
+      <a:defRPr sz="1200" kern="1200">
+        <a:solidFill>
+          <a:schemeClr val="tx1"/>
+        </a:solidFill>
+        <a:latin typeface="+mn-lt"/>
+        <a:ea typeface="+mn-ea"/>
+        <a:cs typeface="+mn-cs"/>
+      </a:defRPr>
+    </a:lvl4pPr>
+    <a:lvl5pPr marL="1828800" algn="l" defTabSz="914400" rtl="0" eaLnBrk="1" latinLnBrk="0" hangingPunct="1">
+      <a:defRPr sz="1200" kern="1200">
+        <a:solidFill>
+          <a:schemeClr val="tx1"/>
+        </a:solidFill>
+        <a:latin typeface="+mn-lt"/>
+        <a:ea typeface="+mn-ea"/>
+        <a:cs typeface="+mn-cs"/>
+      </a:defRPr>
+    </a:lvl5pPr>
+    <a:lvl6pPr marL="2286000" algn="l" defTabSz="914400" rtl="0" eaLnBrk="1" latinLnBrk="0" hangingPunct="1">
+      <a:defRPr sz="1200" kern="1200">
+        <a:solidFill>
+          <a:schemeClr val="tx1"/>
+        </a:solidFill>
+        <a:latin typeface="+mn-lt"/>
+        <a:ea typeface="+mn-ea"/>
+        <a:cs typeface="+mn-cs"/>
+      </a:defRPr>
+    </a:lvl6pPr>
+    <a:lvl7pPr marL="2743200" algn="l" defTabSz="914400" rtl="0" eaLnBrk="1" latinLnBrk="0" hangingPunct="1">
+      <a:defRPr sz="1200" kern="1200">
+        <a:solidFill>
+          <a:schemeClr val="tx1"/>
+        </a:solidFill>
+        <a:latin typeface="+mn-lt"/>
+        <a:ea typeface="+mn-ea"/>
+        <a:cs typeface="+mn-cs"/>
+      </a:defRPr>
+    </a:lvl7pPr>
+    <a:lvl8pPr marL="3200400" algn="l" defTabSz="914400" rtl="0" eaLnBrk="1" latinLnBrk="0" hangingPunct="1">
+      <a:defRPr sz="1200" kern="1200">
+        <a:solidFill>
+          <a:schemeClr val="tx1"/>
+        </a:solidFill>
+        <a:latin typeface="+mn-lt"/>
+        <a:ea typeface="+mn-ea"/>
+        <a:cs typeface="+mn-cs"/>
+      </a:defRPr>
+    </a:lvl8pPr>
+    <a:lvl9pPr marL="3657600" algn="l" defTabSz="914400" rtl="0" eaLnBrk="1" latinLnBrk="0" hangingPunct="1">
+      <a:defRPr sz="1200" kern="1200">
+        <a:solidFill>
+          <a:schemeClr val="tx1"/>
+        </a:solidFill>
+        <a:latin typeface="+mn-lt"/>
+        <a:ea typeface="+mn-ea"/>
+        <a:cs typeface="+mn-cs"/>
+      </a:defRPr>
+    </a:lvl9pPr>
+  </p:notesStyle>
+</p:notesMaster>
+</file>
+
+<file path=ppt/notesSlides/notesSlide1.xml><?xml version="1.0" encoding="utf-8"?>
+<p:notes xmlns:a="http://schemas.openxmlformats.org/drawingml/2006/main" xmlns:r="http://schemas.openxmlformats.org/officeDocument/2006/relationships" xmlns:p="http://schemas.openxmlformats.org/presentationml/2006/main">
+  <p:cSld>
+    <p:spTree>
+      <p:nvGrpSpPr>
+        <p:cNvPr id="1" name=""/>
+        <p:cNvGrpSpPr/>
+        <p:nvPr/>
+      </p:nvGrpSpPr>
+      <p:grpSpPr>
+        <a:xfrm>
+          <a:off x="0" y="0"/>
+          <a:ext cx="0" cy="0"/>
+          <a:chOff x="0" y="0"/>
+          <a:chExt cx="0" cy="0"/>
+        </a:xfrm>
+      </p:grpSpPr>
+      <p:sp>
+        <p:nvSpPr>
+          <p:cNvPr id="2" name="Espace réservé de l'image des diapositives 1"/>
+          <p:cNvSpPr>
+            <a:spLocks noGrp="1" noRot="1" noChangeAspect="1"/>
+          </p:cNvSpPr>
+          <p:nvPr>
+            <p:ph type="sldImg"/>
+          </p:nvPr>
+        </p:nvSpPr>
+        <p:spPr/>
+      </p:sp>
+      <p:sp>
+        <p:nvSpPr>
+          <p:cNvPr id="3" name="Espace réservé des notes 2"/>
+          <p:cNvSpPr>
+            <a:spLocks noGrp="1"/>
+          </p:cNvSpPr>
+          <p:nvPr>
+            <p:ph type="body" idx="1"/>
+          </p:nvPr>
+        </p:nvSpPr>
+        <p:spPr/>
+        <p:txBody>
+          <a:bodyPr/>
+          <a:lstStyle/>
+          <a:p>
+            <a:r>
+              <a:rPr lang="fr-FR" dirty="0"/>
+              <a:t>Je n’ai pas mesuré le temps, mais le cours durera environ une heure. Il est enregistré.</a:t>
+            </a:r>
+          </a:p>
+          <a:p>
+            <a:r>
+              <a:rPr lang="fr-FR" dirty="0"/>
+              <a:t>Après le cours, nous poursuivons sur l’habituelle séance </a:t>
+            </a:r>
+            <a:r>
+              <a:rPr lang="fr-FR" dirty="0" err="1"/>
+              <a:t>hedomadaire</a:t>
+            </a:r>
+            <a:r>
+              <a:rPr lang="fr-FR" dirty="0"/>
+              <a:t> de </a:t>
+            </a:r>
+            <a:r>
+              <a:rPr lang="fr-FR" dirty="0" err="1"/>
+              <a:t>OnePanthéon</a:t>
+            </a:r>
+            <a:r>
+              <a:rPr lang="fr-FR" dirty="0"/>
+              <a:t>, donc si vous êtes membres de l’association, je vous conseille de rester.</a:t>
+            </a:r>
+          </a:p>
+          <a:p>
+            <a:endParaRPr lang="fr-FR" dirty="0"/>
+          </a:p>
+          <a:p>
+            <a:r>
+              <a:rPr lang="fr-FR" dirty="0" err="1"/>
+              <a:t>Deno</a:t>
+            </a:r>
+            <a:r>
+              <a:rPr lang="fr-FR" dirty="0"/>
+              <a:t> 1.30, sorti juste la semaine dernière</a:t>
+            </a:r>
+          </a:p>
+        </p:txBody>
+      </p:sp>
+      <p:sp>
+        <p:nvSpPr>
+          <p:cNvPr id="4" name="Espace réservé du numéro de diapositive 3"/>
+          <p:cNvSpPr>
+            <a:spLocks noGrp="1"/>
+          </p:cNvSpPr>
+          <p:nvPr>
+            <p:ph type="sldNum" sz="quarter" idx="5"/>
+          </p:nvPr>
+        </p:nvSpPr>
+        <p:spPr/>
+        <p:txBody>
+          <a:bodyPr/>
+          <a:lstStyle/>
+          <a:p>
+            <a:fld id="{C35508AD-A6C7-4AD1-8595-1ADBE703DE36}" type="slidenum">
+              <a:rPr lang="fr-FR" smtClean="0"/>
+              <a:t>1</a:t>
+            </a:fld>
+            <a:endParaRPr lang="fr-FR"/>
+          </a:p>
+        </p:txBody>
+      </p:sp>
+    </p:spTree>
+    <p:extLst>
+      <p:ext uri="{BB962C8B-B14F-4D97-AF65-F5344CB8AC3E}">
+        <p14:creationId xmlns:p14="http://schemas.microsoft.com/office/powerpoint/2010/main" val="745176389"/>
+      </p:ext>
+    </p:extLst>
+  </p:cSld>
+  <p:clrMapOvr>
+    <a:masterClrMapping/>
+  </p:clrMapOvr>
+</p:notes>
+</file>
+
+<file path=ppt/notesSlides/notesSlide10.xml><?xml version="1.0" encoding="utf-8"?>
+<p:notes xmlns:a="http://schemas.openxmlformats.org/drawingml/2006/main" xmlns:r="http://schemas.openxmlformats.org/officeDocument/2006/relationships" xmlns:p="http://schemas.openxmlformats.org/presentationml/2006/main">
+  <p:cSld>
+    <p:spTree>
+      <p:nvGrpSpPr>
+        <p:cNvPr id="1" name=""/>
+        <p:cNvGrpSpPr/>
+        <p:nvPr/>
+      </p:nvGrpSpPr>
+      <p:grpSpPr>
+        <a:xfrm>
+          <a:off x="0" y="0"/>
+          <a:ext cx="0" cy="0"/>
+          <a:chOff x="0" y="0"/>
+          <a:chExt cx="0" cy="0"/>
+        </a:xfrm>
+      </p:grpSpPr>
+      <p:sp>
+        <p:nvSpPr>
+          <p:cNvPr id="2" name="Espace réservé de l'image des diapositives 1"/>
+          <p:cNvSpPr>
+            <a:spLocks noGrp="1" noRot="1" noChangeAspect="1"/>
+          </p:cNvSpPr>
+          <p:nvPr>
+            <p:ph type="sldImg"/>
+          </p:nvPr>
+        </p:nvSpPr>
+        <p:spPr/>
+      </p:sp>
+      <p:sp>
+        <p:nvSpPr>
+          <p:cNvPr id="3" name="Espace réservé des notes 2"/>
+          <p:cNvSpPr>
+            <a:spLocks noGrp="1"/>
+          </p:cNvSpPr>
+          <p:nvPr>
+            <p:ph type="body" idx="1"/>
+          </p:nvPr>
+        </p:nvSpPr>
+        <p:spPr/>
+        <p:txBody>
+          <a:bodyPr/>
+          <a:lstStyle/>
+          <a:p>
+            <a:pPr marL="171450" indent="-171450">
+              <a:buFontTx/>
+              <a:buChar char="-"/>
+            </a:pPr>
+            <a:r>
+              <a:rPr lang="fr-FR" dirty="0"/>
+              <a:t>Console log</a:t>
+            </a:r>
+          </a:p>
+          <a:p>
+            <a:pPr marL="171450" indent="-171450">
+              <a:buFontTx/>
+              <a:buChar char="-"/>
+            </a:pPr>
+            <a:r>
+              <a:rPr lang="fr-FR" dirty="0" err="1"/>
+              <a:t>Deno.readTextFileSync</a:t>
+            </a:r>
+            <a:r>
+              <a:rPr lang="fr-FR" dirty="0"/>
+              <a:t>()</a:t>
+            </a:r>
+          </a:p>
+          <a:p>
+            <a:pPr marL="171450" indent="-171450">
+              <a:buFontTx/>
+              <a:buChar char="-"/>
+            </a:pPr>
+            <a:r>
+              <a:rPr lang="fr-FR" dirty="0"/>
+              <a:t>Essai et système de permissions</a:t>
+            </a:r>
+          </a:p>
+          <a:p>
+            <a:pPr marL="171450" indent="-171450">
+              <a:buFontTx/>
+              <a:buChar char="-"/>
+            </a:pPr>
+            <a:r>
+              <a:rPr lang="fr-FR" dirty="0"/>
+              <a:t>Usage du </a:t>
+            </a:r>
+            <a:r>
+              <a:rPr lang="fr-FR" dirty="0" err="1"/>
+              <a:t>await</a:t>
+            </a:r>
+            <a:endParaRPr lang="fr-FR" dirty="0"/>
+          </a:p>
+        </p:txBody>
+      </p:sp>
+      <p:sp>
+        <p:nvSpPr>
+          <p:cNvPr id="4" name="Espace réservé du numéro de diapositive 3"/>
+          <p:cNvSpPr>
+            <a:spLocks noGrp="1"/>
+          </p:cNvSpPr>
+          <p:nvPr>
+            <p:ph type="sldNum" sz="quarter" idx="5"/>
+          </p:nvPr>
+        </p:nvSpPr>
+        <p:spPr/>
+        <p:txBody>
+          <a:bodyPr/>
+          <a:lstStyle/>
+          <a:p>
+            <a:fld id="{C35508AD-A6C7-4AD1-8595-1ADBE703DE36}" type="slidenum">
+              <a:rPr lang="fr-FR" smtClean="0"/>
+              <a:t>10</a:t>
+            </a:fld>
+            <a:endParaRPr lang="fr-FR"/>
+          </a:p>
+        </p:txBody>
+      </p:sp>
+    </p:spTree>
+    <p:extLst>
+      <p:ext uri="{BB962C8B-B14F-4D97-AF65-F5344CB8AC3E}">
+        <p14:creationId xmlns:p14="http://schemas.microsoft.com/office/powerpoint/2010/main" val="2614046397"/>
+      </p:ext>
+    </p:extLst>
+  </p:cSld>
+  <p:clrMapOvr>
+    <a:masterClrMapping/>
+  </p:clrMapOvr>
+</p:notes>
+</file>
+
+<file path=ppt/notesSlides/notesSlide11.xml><?xml version="1.0" encoding="utf-8"?>
+<p:notes xmlns:a="http://schemas.openxmlformats.org/drawingml/2006/main" xmlns:r="http://schemas.openxmlformats.org/officeDocument/2006/relationships" xmlns:p="http://schemas.openxmlformats.org/presentationml/2006/main">
+  <p:cSld>
+    <p:spTree>
+      <p:nvGrpSpPr>
+        <p:cNvPr id="1" name=""/>
+        <p:cNvGrpSpPr/>
+        <p:nvPr/>
+      </p:nvGrpSpPr>
+      <p:grpSpPr>
+        <a:xfrm>
+          <a:off x="0" y="0"/>
+          <a:ext cx="0" cy="0"/>
+          <a:chOff x="0" y="0"/>
+          <a:chExt cx="0" cy="0"/>
+        </a:xfrm>
+      </p:grpSpPr>
+      <p:sp>
+        <p:nvSpPr>
+          <p:cNvPr id="2" name="Espace réservé de l'image des diapositives 1"/>
+          <p:cNvSpPr>
+            <a:spLocks noGrp="1" noRot="1" noChangeAspect="1"/>
+          </p:cNvSpPr>
+          <p:nvPr>
+            <p:ph type="sldImg"/>
+          </p:nvPr>
+        </p:nvSpPr>
+        <p:spPr/>
+      </p:sp>
+      <p:sp>
+        <p:nvSpPr>
+          <p:cNvPr id="3" name="Espace réservé des notes 2"/>
+          <p:cNvSpPr>
+            <a:spLocks noGrp="1"/>
+          </p:cNvSpPr>
+          <p:nvPr>
+            <p:ph type="body" idx="1"/>
+          </p:nvPr>
+        </p:nvSpPr>
+        <p:spPr/>
+        <p:txBody>
+          <a:bodyPr/>
+          <a:lstStyle/>
+          <a:p>
+            <a:r>
+              <a:rPr lang="fr-FR" dirty="0"/>
+              <a:t>Maintenant qu’on sait manipuler des fichiers, ce serait cool de faire des applis un peu plus poussées, qui sont capables de faire du réseau.</a:t>
+            </a:r>
+          </a:p>
+          <a:p>
+            <a:endParaRPr lang="fr-FR" dirty="0"/>
+          </a:p>
+          <a:p>
+            <a:r>
+              <a:rPr lang="fr-FR" dirty="0"/>
+              <a:t>Dans ce second exemple, on voudrait appeler une API, et tirer parti de toutes les fonctionnalités que </a:t>
+            </a:r>
+            <a:r>
+              <a:rPr lang="fr-FR" dirty="0" err="1"/>
+              <a:t>deno</a:t>
+            </a:r>
+            <a:r>
+              <a:rPr lang="fr-FR" dirty="0"/>
+              <a:t> nous propose</a:t>
+            </a:r>
+          </a:p>
+        </p:txBody>
+      </p:sp>
+      <p:sp>
+        <p:nvSpPr>
+          <p:cNvPr id="4" name="Espace réservé du numéro de diapositive 3"/>
+          <p:cNvSpPr>
+            <a:spLocks noGrp="1"/>
+          </p:cNvSpPr>
+          <p:nvPr>
+            <p:ph type="sldNum" sz="quarter" idx="5"/>
+          </p:nvPr>
+        </p:nvSpPr>
+        <p:spPr/>
+        <p:txBody>
+          <a:bodyPr/>
+          <a:lstStyle/>
+          <a:p>
+            <a:fld id="{C35508AD-A6C7-4AD1-8595-1ADBE703DE36}" type="slidenum">
+              <a:rPr lang="fr-FR" smtClean="0"/>
+              <a:t>11</a:t>
+            </a:fld>
+            <a:endParaRPr lang="fr-FR"/>
+          </a:p>
+        </p:txBody>
+      </p:sp>
+    </p:spTree>
+    <p:extLst>
+      <p:ext uri="{BB962C8B-B14F-4D97-AF65-F5344CB8AC3E}">
+        <p14:creationId xmlns:p14="http://schemas.microsoft.com/office/powerpoint/2010/main" val="3839388229"/>
+      </p:ext>
+    </p:extLst>
+  </p:cSld>
+  <p:clrMapOvr>
+    <a:masterClrMapping/>
+  </p:clrMapOvr>
+</p:notes>
+</file>
+
+<file path=ppt/notesSlides/notesSlide12.xml><?xml version="1.0" encoding="utf-8"?>
+<p:notes xmlns:a="http://schemas.openxmlformats.org/drawingml/2006/main" xmlns:r="http://schemas.openxmlformats.org/officeDocument/2006/relationships" xmlns:p="http://schemas.openxmlformats.org/presentationml/2006/main">
+  <p:cSld>
+    <p:spTree>
+      <p:nvGrpSpPr>
+        <p:cNvPr id="1" name=""/>
+        <p:cNvGrpSpPr/>
+        <p:nvPr/>
+      </p:nvGrpSpPr>
+      <p:grpSpPr>
+        <a:xfrm>
+          <a:off x="0" y="0"/>
+          <a:ext cx="0" cy="0"/>
+          <a:chOff x="0" y="0"/>
+          <a:chExt cx="0" cy="0"/>
+        </a:xfrm>
+      </p:grpSpPr>
+      <p:sp>
+        <p:nvSpPr>
+          <p:cNvPr id="2" name="Espace réservé de l'image des diapositives 1"/>
+          <p:cNvSpPr>
+            <a:spLocks noGrp="1" noRot="1" noChangeAspect="1"/>
+          </p:cNvSpPr>
+          <p:nvPr>
+            <p:ph type="sldImg"/>
+          </p:nvPr>
+        </p:nvSpPr>
+        <p:spPr/>
+      </p:sp>
+      <p:sp>
+        <p:nvSpPr>
+          <p:cNvPr id="3" name="Espace réservé des notes 2"/>
+          <p:cNvSpPr>
+            <a:spLocks noGrp="1"/>
+          </p:cNvSpPr>
+          <p:nvPr>
+            <p:ph type="body" idx="1"/>
+          </p:nvPr>
+        </p:nvSpPr>
+        <p:spPr/>
+        <p:txBody>
+          <a:bodyPr/>
+          <a:lstStyle/>
+          <a:p>
+            <a:pPr marL="171450" indent="-171450">
+              <a:buFont typeface="Arial" panose="020B0604020202020204" pitchFamily="34" charset="0"/>
+              <a:buChar char="•"/>
+            </a:pPr>
+            <a:r>
+              <a:rPr lang="fr-FR" dirty="0"/>
+              <a:t>Faire la promo de </a:t>
+            </a:r>
+            <a:r>
+              <a:rPr lang="fr-FR" dirty="0" err="1"/>
+              <a:t>typescript</a:t>
+            </a:r>
+            <a:endParaRPr lang="fr-FR" dirty="0"/>
+          </a:p>
+          <a:p>
+            <a:pPr marL="171450" indent="-171450">
+              <a:buFont typeface="Arial" panose="020B0604020202020204" pitchFamily="34" charset="0"/>
+              <a:buChar char="•"/>
+            </a:pPr>
+            <a:r>
+              <a:rPr lang="fr-FR" dirty="0"/>
+              <a:t>Importer l’ES modules</a:t>
+            </a:r>
+          </a:p>
+          <a:p>
+            <a:pPr marL="171450" indent="-171450">
+              <a:buFont typeface="Arial" panose="020B0604020202020204" pitchFamily="34" charset="0"/>
+              <a:buChar char="•"/>
+            </a:pPr>
+            <a:r>
+              <a:rPr lang="fr-FR" dirty="0"/>
+              <a:t>Utiliser </a:t>
+            </a:r>
+            <a:r>
+              <a:rPr lang="fr-FR" dirty="0" err="1"/>
+              <a:t>fetch</a:t>
+            </a:r>
+            <a:r>
+              <a:rPr lang="fr-FR" dirty="0"/>
+              <a:t> (wow)</a:t>
+            </a:r>
+          </a:p>
+          <a:p>
+            <a:pPr marL="171450" indent="-171450">
+              <a:buFont typeface="Arial" panose="020B0604020202020204" pitchFamily="34" charset="0"/>
+              <a:buChar char="•"/>
+            </a:pPr>
+            <a:r>
+              <a:rPr lang="fr-FR" dirty="0"/>
+              <a:t>Utiliser </a:t>
+            </a:r>
+            <a:r>
+              <a:rPr lang="fr-FR" dirty="0" err="1"/>
+              <a:t>confirm</a:t>
+            </a:r>
+            <a:r>
+              <a:rPr lang="fr-FR" dirty="0"/>
+              <a:t>() =&gt; littéralement toutes les apis web fonctionnent</a:t>
+            </a:r>
+          </a:p>
+          <a:p>
+            <a:pPr marL="171450" indent="-171450">
+              <a:buFont typeface="Arial" panose="020B0604020202020204" pitchFamily="34" charset="0"/>
+              <a:buChar char="•"/>
+            </a:pPr>
+            <a:endParaRPr lang="fr-FR" dirty="0"/>
+          </a:p>
+        </p:txBody>
+      </p:sp>
+      <p:sp>
+        <p:nvSpPr>
+          <p:cNvPr id="4" name="Espace réservé du numéro de diapositive 3"/>
+          <p:cNvSpPr>
+            <a:spLocks noGrp="1"/>
+          </p:cNvSpPr>
+          <p:nvPr>
+            <p:ph type="sldNum" sz="quarter" idx="5"/>
+          </p:nvPr>
+        </p:nvSpPr>
+        <p:spPr/>
+        <p:txBody>
+          <a:bodyPr/>
+          <a:lstStyle/>
+          <a:p>
+            <a:fld id="{C35508AD-A6C7-4AD1-8595-1ADBE703DE36}" type="slidenum">
+              <a:rPr lang="fr-FR" smtClean="0"/>
+              <a:t>12</a:t>
+            </a:fld>
+            <a:endParaRPr lang="fr-FR"/>
+          </a:p>
+        </p:txBody>
+      </p:sp>
+    </p:spTree>
+    <p:extLst>
+      <p:ext uri="{BB962C8B-B14F-4D97-AF65-F5344CB8AC3E}">
+        <p14:creationId xmlns:p14="http://schemas.microsoft.com/office/powerpoint/2010/main" val="1619177395"/>
+      </p:ext>
+    </p:extLst>
+  </p:cSld>
+  <p:clrMapOvr>
+    <a:masterClrMapping/>
+  </p:clrMapOvr>
+</p:notes>
+</file>
+
+<file path=ppt/notesSlides/notesSlide13.xml><?xml version="1.0" encoding="utf-8"?>
+<p:notes xmlns:a="http://schemas.openxmlformats.org/drawingml/2006/main" xmlns:r="http://schemas.openxmlformats.org/officeDocument/2006/relationships" xmlns:p="http://schemas.openxmlformats.org/presentationml/2006/main">
+  <p:cSld>
+    <p:spTree>
+      <p:nvGrpSpPr>
+        <p:cNvPr id="1" name=""/>
+        <p:cNvGrpSpPr/>
+        <p:nvPr/>
+      </p:nvGrpSpPr>
+      <p:grpSpPr>
+        <a:xfrm>
+          <a:off x="0" y="0"/>
+          <a:ext cx="0" cy="0"/>
+          <a:chOff x="0" y="0"/>
+          <a:chExt cx="0" cy="0"/>
+        </a:xfrm>
+      </p:grpSpPr>
+      <p:sp>
+        <p:nvSpPr>
+          <p:cNvPr id="2" name="Espace réservé de l'image des diapositives 1"/>
+          <p:cNvSpPr>
+            <a:spLocks noGrp="1" noRot="1" noChangeAspect="1"/>
+          </p:cNvSpPr>
+          <p:nvPr>
+            <p:ph type="sldImg"/>
+          </p:nvPr>
+        </p:nvSpPr>
+        <p:spPr/>
+      </p:sp>
+      <p:sp>
+        <p:nvSpPr>
+          <p:cNvPr id="3" name="Espace réservé des notes 2"/>
+          <p:cNvSpPr>
+            <a:spLocks noGrp="1"/>
+          </p:cNvSpPr>
+          <p:nvPr>
+            <p:ph type="body" idx="1"/>
+          </p:nvPr>
+        </p:nvSpPr>
+        <p:spPr/>
+        <p:txBody>
+          <a:bodyPr/>
+          <a:lstStyle/>
+          <a:p>
+            <a:pPr marL="0" indent="0">
+              <a:buFontTx/>
+              <a:buNone/>
+            </a:pPr>
+            <a:r>
+              <a:rPr lang="fr-FR" dirty="0"/>
+              <a:t>Le principal usage de </a:t>
+            </a:r>
+            <a:r>
+              <a:rPr lang="fr-FR" dirty="0" err="1"/>
+              <a:t>node</a:t>
+            </a:r>
+            <a:r>
+              <a:rPr lang="fr-FR" dirty="0"/>
+              <a:t> et </a:t>
+            </a:r>
+            <a:r>
+              <a:rPr lang="fr-FR" dirty="0" err="1"/>
+              <a:t>deno</a:t>
+            </a:r>
+            <a:r>
+              <a:rPr lang="fr-FR" dirty="0"/>
+              <a:t>, c’est de créer des serveur </a:t>
+            </a:r>
+            <a:r>
+              <a:rPr lang="fr-FR" dirty="0" err="1"/>
+              <a:t>webs</a:t>
+            </a:r>
+            <a:r>
+              <a:rPr lang="fr-FR" dirty="0"/>
+              <a:t> et d’installer des dépendances.</a:t>
+            </a:r>
+          </a:p>
+          <a:p>
+            <a:pPr marL="0" indent="0">
+              <a:buFontTx/>
+              <a:buNone/>
+            </a:pPr>
+            <a:endParaRPr lang="fr-FR" dirty="0"/>
+          </a:p>
+        </p:txBody>
+      </p:sp>
+      <p:sp>
+        <p:nvSpPr>
+          <p:cNvPr id="4" name="Espace réservé du numéro de diapositive 3"/>
+          <p:cNvSpPr>
+            <a:spLocks noGrp="1"/>
+          </p:cNvSpPr>
+          <p:nvPr>
+            <p:ph type="sldNum" sz="quarter" idx="5"/>
+          </p:nvPr>
+        </p:nvSpPr>
+        <p:spPr/>
+        <p:txBody>
+          <a:bodyPr/>
+          <a:lstStyle/>
+          <a:p>
+            <a:fld id="{C35508AD-A6C7-4AD1-8595-1ADBE703DE36}" type="slidenum">
+              <a:rPr lang="fr-FR" smtClean="0"/>
+              <a:t>13</a:t>
+            </a:fld>
+            <a:endParaRPr lang="fr-FR"/>
+          </a:p>
+        </p:txBody>
+      </p:sp>
+    </p:spTree>
+    <p:extLst>
+      <p:ext uri="{BB962C8B-B14F-4D97-AF65-F5344CB8AC3E}">
+        <p14:creationId xmlns:p14="http://schemas.microsoft.com/office/powerpoint/2010/main" val="865909296"/>
+      </p:ext>
+    </p:extLst>
+  </p:cSld>
+  <p:clrMapOvr>
+    <a:masterClrMapping/>
+  </p:clrMapOvr>
+</p:notes>
+</file>
+
+<file path=ppt/notesSlides/notesSlide2.xml><?xml version="1.0" encoding="utf-8"?>
+<p:notes xmlns:a="http://schemas.openxmlformats.org/drawingml/2006/main" xmlns:r="http://schemas.openxmlformats.org/officeDocument/2006/relationships" xmlns:p="http://schemas.openxmlformats.org/presentationml/2006/main">
+  <p:cSld>
+    <p:spTree>
+      <p:nvGrpSpPr>
+        <p:cNvPr id="1" name=""/>
+        <p:cNvGrpSpPr/>
+        <p:nvPr/>
+      </p:nvGrpSpPr>
+      <p:grpSpPr>
+        <a:xfrm>
+          <a:off x="0" y="0"/>
+          <a:ext cx="0" cy="0"/>
+          <a:chOff x="0" y="0"/>
+          <a:chExt cx="0" cy="0"/>
+        </a:xfrm>
+      </p:grpSpPr>
+      <p:sp>
+        <p:nvSpPr>
+          <p:cNvPr id="2" name="Espace réservé de l'image des diapositives 1"/>
+          <p:cNvSpPr>
+            <a:spLocks noGrp="1" noRot="1" noChangeAspect="1"/>
+          </p:cNvSpPr>
+          <p:nvPr>
+            <p:ph type="sldImg"/>
+          </p:nvPr>
+        </p:nvSpPr>
+        <p:spPr/>
+      </p:sp>
+      <p:sp>
+        <p:nvSpPr>
+          <p:cNvPr id="3" name="Espace réservé des notes 2"/>
+          <p:cNvSpPr>
+            <a:spLocks noGrp="1"/>
+          </p:cNvSpPr>
+          <p:nvPr>
+            <p:ph type="body" idx="1"/>
+          </p:nvPr>
+        </p:nvSpPr>
+        <p:spPr/>
+        <p:txBody>
+          <a:bodyPr/>
+          <a:lstStyle/>
+          <a:p>
+            <a:r>
+              <a:rPr lang="fr-FR" dirty="0"/>
+              <a:t>Tout d’abord, ce cours est destiné à ceux qui s’intéressent de près ou de loin au développement web.</a:t>
+            </a:r>
+          </a:p>
+          <a:p>
+            <a:r>
+              <a:rPr lang="fr-FR" dirty="0"/>
+              <a:t>Si vous avez déjà pas mal d’expérience en dev back ou en javascript, vous </a:t>
+            </a:r>
+            <a:r>
+              <a:rPr lang="fr-FR" dirty="0" err="1"/>
+              <a:t>comprendez</a:t>
+            </a:r>
+            <a:r>
+              <a:rPr lang="fr-FR" dirty="0"/>
+              <a:t> mieux l’intérêt de ce cours.</a:t>
+            </a:r>
+          </a:p>
+        </p:txBody>
+      </p:sp>
+      <p:sp>
+        <p:nvSpPr>
+          <p:cNvPr id="4" name="Espace réservé du numéro de diapositive 3"/>
+          <p:cNvSpPr>
+            <a:spLocks noGrp="1"/>
+          </p:cNvSpPr>
+          <p:nvPr>
+            <p:ph type="sldNum" sz="quarter" idx="5"/>
+          </p:nvPr>
+        </p:nvSpPr>
+        <p:spPr/>
+        <p:txBody>
+          <a:bodyPr/>
+          <a:lstStyle/>
+          <a:p>
+            <a:fld id="{C35508AD-A6C7-4AD1-8595-1ADBE703DE36}" type="slidenum">
+              <a:rPr lang="fr-FR" smtClean="0"/>
+              <a:t>2</a:t>
+            </a:fld>
+            <a:endParaRPr lang="fr-FR"/>
+          </a:p>
+        </p:txBody>
+      </p:sp>
+    </p:spTree>
+    <p:extLst>
+      <p:ext uri="{BB962C8B-B14F-4D97-AF65-F5344CB8AC3E}">
+        <p14:creationId xmlns:p14="http://schemas.microsoft.com/office/powerpoint/2010/main" val="510011563"/>
+      </p:ext>
+    </p:extLst>
+  </p:cSld>
+  <p:clrMapOvr>
+    <a:masterClrMapping/>
+  </p:clrMapOvr>
+</p:notes>
+</file>
+
+<file path=ppt/notesSlides/notesSlide3.xml><?xml version="1.0" encoding="utf-8"?>
+<p:notes xmlns:a="http://schemas.openxmlformats.org/drawingml/2006/main" xmlns:r="http://schemas.openxmlformats.org/officeDocument/2006/relationships" xmlns:p="http://schemas.openxmlformats.org/presentationml/2006/main">
+  <p:cSld>
+    <p:spTree>
+      <p:nvGrpSpPr>
+        <p:cNvPr id="1" name=""/>
+        <p:cNvGrpSpPr/>
+        <p:nvPr/>
+      </p:nvGrpSpPr>
+      <p:grpSpPr>
+        <a:xfrm>
+          <a:off x="0" y="0"/>
+          <a:ext cx="0" cy="0"/>
+          <a:chOff x="0" y="0"/>
+          <a:chExt cx="0" cy="0"/>
+        </a:xfrm>
+      </p:grpSpPr>
+      <p:sp>
+        <p:nvSpPr>
+          <p:cNvPr id="2" name="Espace réservé de l'image des diapositives 1"/>
+          <p:cNvSpPr>
+            <a:spLocks noGrp="1" noRot="1" noChangeAspect="1"/>
+          </p:cNvSpPr>
+          <p:nvPr>
+            <p:ph type="sldImg"/>
+          </p:nvPr>
+        </p:nvSpPr>
+        <p:spPr/>
+      </p:sp>
+      <p:sp>
+        <p:nvSpPr>
+          <p:cNvPr id="3" name="Espace réservé des notes 2"/>
+          <p:cNvSpPr>
+            <a:spLocks noGrp="1"/>
+          </p:cNvSpPr>
+          <p:nvPr>
+            <p:ph type="body" idx="1"/>
+          </p:nvPr>
+        </p:nvSpPr>
+        <p:spPr/>
+        <p:txBody>
+          <a:bodyPr/>
+          <a:lstStyle/>
+          <a:p>
+            <a:r>
+              <a:rPr lang="fr-FR" dirty="0"/>
+              <a:t>Ok, donc avant d’aller taper dans la pratique, je pense qu’il est intéressant de voir l’histoire de </a:t>
+            </a:r>
+            <a:r>
+              <a:rPr lang="fr-FR" dirty="0" err="1"/>
+              <a:t>Deno</a:t>
+            </a:r>
+            <a:r>
+              <a:rPr lang="fr-FR" dirty="0"/>
+              <a:t>, et les raisons pour lesquelles il a été créé.</a:t>
+            </a:r>
+          </a:p>
+        </p:txBody>
+      </p:sp>
+      <p:sp>
+        <p:nvSpPr>
+          <p:cNvPr id="4" name="Espace réservé du numéro de diapositive 3"/>
+          <p:cNvSpPr>
+            <a:spLocks noGrp="1"/>
+          </p:cNvSpPr>
+          <p:nvPr>
+            <p:ph type="sldNum" sz="quarter" idx="5"/>
+          </p:nvPr>
+        </p:nvSpPr>
+        <p:spPr/>
+        <p:txBody>
+          <a:bodyPr/>
+          <a:lstStyle/>
+          <a:p>
+            <a:fld id="{C35508AD-A6C7-4AD1-8595-1ADBE703DE36}" type="slidenum">
+              <a:rPr lang="fr-FR" smtClean="0"/>
+              <a:t>3</a:t>
+            </a:fld>
+            <a:endParaRPr lang="fr-FR"/>
+          </a:p>
+        </p:txBody>
+      </p:sp>
+    </p:spTree>
+    <p:extLst>
+      <p:ext uri="{BB962C8B-B14F-4D97-AF65-F5344CB8AC3E}">
+        <p14:creationId xmlns:p14="http://schemas.microsoft.com/office/powerpoint/2010/main" val="2004133707"/>
+      </p:ext>
+    </p:extLst>
+  </p:cSld>
+  <p:clrMapOvr>
+    <a:masterClrMapping/>
+  </p:clrMapOvr>
+</p:notes>
+</file>
+
+<file path=ppt/notesSlides/notesSlide4.xml><?xml version="1.0" encoding="utf-8"?>
+<p:notes xmlns:a="http://schemas.openxmlformats.org/drawingml/2006/main" xmlns:r="http://schemas.openxmlformats.org/officeDocument/2006/relationships" xmlns:p="http://schemas.openxmlformats.org/presentationml/2006/main">
+  <p:cSld>
+    <p:spTree>
+      <p:nvGrpSpPr>
+        <p:cNvPr id="1" name=""/>
+        <p:cNvGrpSpPr/>
+        <p:nvPr/>
+      </p:nvGrpSpPr>
+      <p:grpSpPr>
+        <a:xfrm>
+          <a:off x="0" y="0"/>
+          <a:ext cx="0" cy="0"/>
+          <a:chOff x="0" y="0"/>
+          <a:chExt cx="0" cy="0"/>
+        </a:xfrm>
+      </p:grpSpPr>
+      <p:sp>
+        <p:nvSpPr>
+          <p:cNvPr id="2" name="Espace réservé de l'image des diapositives 1"/>
+          <p:cNvSpPr>
+            <a:spLocks noGrp="1" noRot="1" noChangeAspect="1"/>
+          </p:cNvSpPr>
+          <p:nvPr>
+            <p:ph type="sldImg"/>
+          </p:nvPr>
+        </p:nvSpPr>
+        <p:spPr/>
+      </p:sp>
+      <p:sp>
+        <p:nvSpPr>
+          <p:cNvPr id="3" name="Espace réservé des notes 2"/>
+          <p:cNvSpPr>
+            <a:spLocks noGrp="1"/>
+          </p:cNvSpPr>
+          <p:nvPr>
+            <p:ph type="body" idx="1"/>
+          </p:nvPr>
+        </p:nvSpPr>
+        <p:spPr/>
+        <p:txBody>
+          <a:bodyPr/>
+          <a:lstStyle/>
+          <a:p>
+            <a:r>
+              <a:rPr lang="fr-FR" dirty="0"/>
+              <a:t>On est en 2009, et un développeur web, Ryan Dahl, trouve que les serveurs apache, c’est pas ouf.</a:t>
+            </a:r>
+          </a:p>
+          <a:p>
+            <a:r>
+              <a:rPr lang="fr-FR" dirty="0"/>
+              <a:t>À l’époque, faire du PHP était très populaire, mais c’était mission impossible pour faire des applications en temps réel.</a:t>
+            </a:r>
+          </a:p>
+          <a:p>
+            <a:r>
+              <a:rPr lang="fr-FR" dirty="0"/>
+              <a:t>Les serveurs apache avaient également du mal pour faire de la programmation orientée évènementielle et gérer du parallélisme efficacement.</a:t>
+            </a:r>
+          </a:p>
+          <a:p>
+            <a:endParaRPr lang="fr-FR" dirty="0"/>
+          </a:p>
+          <a:p>
+            <a:r>
+              <a:rPr lang="fr-FR" dirty="0"/>
+              <a:t>Durant la </a:t>
+            </a:r>
+            <a:r>
+              <a:rPr lang="fr-FR" dirty="0" err="1"/>
+              <a:t>JSConf</a:t>
+            </a:r>
+            <a:r>
+              <a:rPr lang="fr-FR" dirty="0"/>
+              <a:t> 2009, il présente un nouveau projet personnel, qui est Node.JS.</a:t>
+            </a:r>
+          </a:p>
+          <a:p>
+            <a:r>
+              <a:rPr lang="fr-FR" dirty="0"/>
+              <a:t>C’est un serveur web dont les applications peuvent être codées avec du Javascript, et qui finira par obtenir une énorme popularité.</a:t>
+            </a:r>
+          </a:p>
+        </p:txBody>
+      </p:sp>
+      <p:sp>
+        <p:nvSpPr>
+          <p:cNvPr id="4" name="Espace réservé du numéro de diapositive 3"/>
+          <p:cNvSpPr>
+            <a:spLocks noGrp="1"/>
+          </p:cNvSpPr>
+          <p:nvPr>
+            <p:ph type="sldNum" sz="quarter" idx="5"/>
+          </p:nvPr>
+        </p:nvSpPr>
+        <p:spPr/>
+        <p:txBody>
+          <a:bodyPr/>
+          <a:lstStyle/>
+          <a:p>
+            <a:fld id="{C35508AD-A6C7-4AD1-8595-1ADBE703DE36}" type="slidenum">
+              <a:rPr lang="fr-FR" smtClean="0"/>
+              <a:t>4</a:t>
+            </a:fld>
+            <a:endParaRPr lang="fr-FR"/>
+          </a:p>
+        </p:txBody>
+      </p:sp>
+    </p:spTree>
+    <p:extLst>
+      <p:ext uri="{BB962C8B-B14F-4D97-AF65-F5344CB8AC3E}">
+        <p14:creationId xmlns:p14="http://schemas.microsoft.com/office/powerpoint/2010/main" val="3109455028"/>
+      </p:ext>
+    </p:extLst>
+  </p:cSld>
+  <p:clrMapOvr>
+    <a:masterClrMapping/>
+  </p:clrMapOvr>
+</p:notes>
+</file>
+
+<file path=ppt/notesSlides/notesSlide5.xml><?xml version="1.0" encoding="utf-8"?>
+<p:notes xmlns:a="http://schemas.openxmlformats.org/drawingml/2006/main" xmlns:r="http://schemas.openxmlformats.org/officeDocument/2006/relationships" xmlns:p="http://schemas.openxmlformats.org/presentationml/2006/main">
+  <p:cSld>
+    <p:spTree>
+      <p:nvGrpSpPr>
+        <p:cNvPr id="1" name=""/>
+        <p:cNvGrpSpPr/>
+        <p:nvPr/>
+      </p:nvGrpSpPr>
+      <p:grpSpPr>
+        <a:xfrm>
+          <a:off x="0" y="0"/>
+          <a:ext cx="0" cy="0"/>
+          <a:chOff x="0" y="0"/>
+          <a:chExt cx="0" cy="0"/>
+        </a:xfrm>
+      </p:grpSpPr>
+      <p:sp>
+        <p:nvSpPr>
+          <p:cNvPr id="2" name="Espace réservé de l'image des diapositives 1"/>
+          <p:cNvSpPr>
+            <a:spLocks noGrp="1" noRot="1" noChangeAspect="1"/>
+          </p:cNvSpPr>
+          <p:nvPr>
+            <p:ph type="sldImg"/>
+          </p:nvPr>
+        </p:nvSpPr>
+        <p:spPr/>
+      </p:sp>
+      <p:sp>
+        <p:nvSpPr>
+          <p:cNvPr id="3" name="Espace réservé des notes 2"/>
+          <p:cNvSpPr>
+            <a:spLocks noGrp="1"/>
+          </p:cNvSpPr>
+          <p:nvPr>
+            <p:ph type="body" idx="1"/>
+          </p:nvPr>
+        </p:nvSpPr>
+        <p:spPr/>
+        <p:txBody>
+          <a:bodyPr/>
+          <a:lstStyle/>
+          <a:p>
+            <a:r>
+              <a:rPr lang="fr-FR" dirty="0"/>
+              <a:t>Peut être un peu trop populaire même…</a:t>
+            </a:r>
+          </a:p>
+          <a:p>
+            <a:r>
+              <a:rPr lang="fr-FR" dirty="0"/>
+              <a:t>Ironiquement, ce même créateur présentera à la même conférence « 10 choses que je regrette à propos de Node.JS »</a:t>
+            </a:r>
+          </a:p>
+          <a:p>
+            <a:endParaRPr lang="fr-FR" dirty="0"/>
+          </a:p>
+          <a:p>
+            <a:r>
+              <a:rPr lang="fr-FR" dirty="0"/>
+              <a:t>Il cite plusieurs raisons. Par exemple, le fait que </a:t>
+            </a:r>
+            <a:r>
+              <a:rPr lang="fr-FR" dirty="0" err="1"/>
+              <a:t>node</a:t>
+            </a:r>
+            <a:r>
+              <a:rPr lang="fr-FR" dirty="0"/>
+              <a:t> a ses propres standards et diffère beaucoup du javascript que nous avons sur navigateur.</a:t>
+            </a:r>
+          </a:p>
+          <a:p>
+            <a:r>
+              <a:rPr lang="fr-FR" dirty="0"/>
+              <a:t>Il y a également le gestionnaire de paquet NPM, lent et possédant pas mal de défauts.</a:t>
+            </a:r>
+          </a:p>
+          <a:p>
+            <a:endParaRPr lang="fr-FR" dirty="0"/>
+          </a:p>
+          <a:p>
+            <a:r>
+              <a:rPr lang="fr-FR" dirty="0"/>
+              <a:t>À la fin de la conférence, il annonce un tout nouveau projet, nommé </a:t>
+            </a:r>
+            <a:r>
+              <a:rPr lang="fr-FR" dirty="0" err="1"/>
+              <a:t>Deno</a:t>
+            </a:r>
+            <a:r>
+              <a:rPr lang="fr-FR" dirty="0"/>
+              <a:t>. </a:t>
+            </a:r>
+          </a:p>
+        </p:txBody>
+      </p:sp>
+      <p:sp>
+        <p:nvSpPr>
+          <p:cNvPr id="4" name="Espace réservé du numéro de diapositive 3"/>
+          <p:cNvSpPr>
+            <a:spLocks noGrp="1"/>
+          </p:cNvSpPr>
+          <p:nvPr>
+            <p:ph type="sldNum" sz="quarter" idx="5"/>
+          </p:nvPr>
+        </p:nvSpPr>
+        <p:spPr/>
+        <p:txBody>
+          <a:bodyPr/>
+          <a:lstStyle/>
+          <a:p>
+            <a:fld id="{C35508AD-A6C7-4AD1-8595-1ADBE703DE36}" type="slidenum">
+              <a:rPr lang="fr-FR" smtClean="0"/>
+              <a:t>5</a:t>
+            </a:fld>
+            <a:endParaRPr lang="fr-FR"/>
+          </a:p>
+        </p:txBody>
+      </p:sp>
+    </p:spTree>
+    <p:extLst>
+      <p:ext uri="{BB962C8B-B14F-4D97-AF65-F5344CB8AC3E}">
+        <p14:creationId xmlns:p14="http://schemas.microsoft.com/office/powerpoint/2010/main" val="2546176087"/>
+      </p:ext>
+    </p:extLst>
+  </p:cSld>
+  <p:clrMapOvr>
+    <a:masterClrMapping/>
+  </p:clrMapOvr>
+</p:notes>
+</file>
+
+<file path=ppt/notesSlides/notesSlide6.xml><?xml version="1.0" encoding="utf-8"?>
+<p:notes xmlns:a="http://schemas.openxmlformats.org/drawingml/2006/main" xmlns:r="http://schemas.openxmlformats.org/officeDocument/2006/relationships" xmlns:p="http://schemas.openxmlformats.org/presentationml/2006/main">
+  <p:cSld>
+    <p:spTree>
+      <p:nvGrpSpPr>
+        <p:cNvPr id="1" name=""/>
+        <p:cNvGrpSpPr/>
+        <p:nvPr/>
+      </p:nvGrpSpPr>
+      <p:grpSpPr>
+        <a:xfrm>
+          <a:off x="0" y="0"/>
+          <a:ext cx="0" cy="0"/>
+          <a:chOff x="0" y="0"/>
+          <a:chExt cx="0" cy="0"/>
+        </a:xfrm>
+      </p:grpSpPr>
+      <p:sp>
+        <p:nvSpPr>
+          <p:cNvPr id="2" name="Espace réservé de l'image des diapositives 1"/>
+          <p:cNvSpPr>
+            <a:spLocks noGrp="1" noRot="1" noChangeAspect="1"/>
+          </p:cNvSpPr>
+          <p:nvPr>
+            <p:ph type="sldImg"/>
+          </p:nvPr>
+        </p:nvSpPr>
+        <p:spPr/>
+      </p:sp>
+      <p:sp>
+        <p:nvSpPr>
+          <p:cNvPr id="3" name="Espace réservé des notes 2"/>
+          <p:cNvSpPr>
+            <a:spLocks noGrp="1"/>
+          </p:cNvSpPr>
+          <p:nvPr>
+            <p:ph type="body" idx="1"/>
+          </p:nvPr>
+        </p:nvSpPr>
+        <p:spPr/>
+        <p:txBody>
+          <a:bodyPr/>
+          <a:lstStyle/>
+          <a:p>
+            <a:r>
+              <a:rPr lang="fr-FR" dirty="0"/>
+              <a:t>Mais qu’est-ce que </a:t>
+            </a:r>
+            <a:r>
+              <a:rPr lang="fr-FR" dirty="0" err="1"/>
+              <a:t>Deno</a:t>
+            </a:r>
+            <a:r>
+              <a:rPr lang="fr-FR" dirty="0"/>
+              <a:t> ?</a:t>
+            </a:r>
+          </a:p>
+          <a:p>
+            <a:r>
+              <a:rPr lang="fr-FR" dirty="0"/>
+              <a:t>En de simples termes, c’est un concurrent de </a:t>
+            </a:r>
+            <a:r>
+              <a:rPr lang="fr-FR" dirty="0" err="1"/>
+              <a:t>Node.Js</a:t>
+            </a:r>
+            <a:r>
+              <a:rPr lang="fr-FR" dirty="0"/>
+              <a:t> qui a pour but d’offrir les mêmes fonctionnalités, mais avec une expérience développeur plus agréable.</a:t>
+            </a:r>
+          </a:p>
+          <a:p>
+            <a:endParaRPr lang="fr-FR" dirty="0"/>
+          </a:p>
+          <a:p>
+            <a:r>
+              <a:rPr lang="fr-FR" dirty="0"/>
+              <a:t>Plutôt que de lister toutes les fonctionnalités, on va voir dans ce cours quelques exemples qui vont vous montrer à quel point cet outil est pratique.</a:t>
+            </a:r>
+          </a:p>
+          <a:p>
+            <a:endParaRPr lang="fr-FR" dirty="0"/>
+          </a:p>
+          <a:p>
+            <a:endParaRPr lang="fr-FR" dirty="0"/>
+          </a:p>
+        </p:txBody>
+      </p:sp>
+      <p:sp>
+        <p:nvSpPr>
+          <p:cNvPr id="4" name="Espace réservé du numéro de diapositive 3"/>
+          <p:cNvSpPr>
+            <a:spLocks noGrp="1"/>
+          </p:cNvSpPr>
+          <p:nvPr>
+            <p:ph type="sldNum" sz="quarter" idx="5"/>
+          </p:nvPr>
+        </p:nvSpPr>
+        <p:spPr/>
+        <p:txBody>
+          <a:bodyPr/>
+          <a:lstStyle/>
+          <a:p>
+            <a:fld id="{C35508AD-A6C7-4AD1-8595-1ADBE703DE36}" type="slidenum">
+              <a:rPr lang="fr-FR" smtClean="0"/>
+              <a:t>6</a:t>
+            </a:fld>
+            <a:endParaRPr lang="fr-FR"/>
+          </a:p>
+        </p:txBody>
+      </p:sp>
+    </p:spTree>
+    <p:extLst>
+      <p:ext uri="{BB962C8B-B14F-4D97-AF65-F5344CB8AC3E}">
+        <p14:creationId xmlns:p14="http://schemas.microsoft.com/office/powerpoint/2010/main" val="2033433274"/>
+      </p:ext>
+    </p:extLst>
+  </p:cSld>
+  <p:clrMapOvr>
+    <a:masterClrMapping/>
+  </p:clrMapOvr>
+</p:notes>
+</file>
+
+<file path=ppt/notesSlides/notesSlide7.xml><?xml version="1.0" encoding="utf-8"?>
+<p:notes xmlns:a="http://schemas.openxmlformats.org/drawingml/2006/main" xmlns:r="http://schemas.openxmlformats.org/officeDocument/2006/relationships" xmlns:p="http://schemas.openxmlformats.org/presentationml/2006/main">
+  <p:cSld>
+    <p:spTree>
+      <p:nvGrpSpPr>
+        <p:cNvPr id="1" name=""/>
+        <p:cNvGrpSpPr/>
+        <p:nvPr/>
+      </p:nvGrpSpPr>
+      <p:grpSpPr>
+        <a:xfrm>
+          <a:off x="0" y="0"/>
+          <a:ext cx="0" cy="0"/>
+          <a:chOff x="0" y="0"/>
+          <a:chExt cx="0" cy="0"/>
+        </a:xfrm>
+      </p:grpSpPr>
+      <p:sp>
+        <p:nvSpPr>
+          <p:cNvPr id="2" name="Espace réservé de l'image des diapositives 1"/>
+          <p:cNvSpPr>
+            <a:spLocks noGrp="1" noRot="1" noChangeAspect="1"/>
+          </p:cNvSpPr>
+          <p:nvPr>
+            <p:ph type="sldImg"/>
+          </p:nvPr>
+        </p:nvSpPr>
+        <p:spPr/>
+      </p:sp>
+      <p:sp>
+        <p:nvSpPr>
+          <p:cNvPr id="3" name="Espace réservé des notes 2"/>
+          <p:cNvSpPr>
+            <a:spLocks noGrp="1"/>
+          </p:cNvSpPr>
+          <p:nvPr>
+            <p:ph type="body" idx="1"/>
+          </p:nvPr>
+        </p:nvSpPr>
+        <p:spPr/>
+        <p:txBody>
+          <a:bodyPr/>
+          <a:lstStyle/>
+          <a:p>
+            <a:r>
+              <a:rPr lang="fr-FR" dirty="0"/>
+              <a:t>Bon déjà, pour utiliser </a:t>
+            </a:r>
+            <a:r>
+              <a:rPr lang="fr-FR" dirty="0" err="1"/>
+              <a:t>deno</a:t>
+            </a:r>
+            <a:r>
+              <a:rPr lang="fr-FR" dirty="0"/>
+              <a:t>, il faut l’installer. Et mon dieu qu’est-ce que c’est simple.</a:t>
+            </a:r>
+          </a:p>
+          <a:p>
+            <a:endParaRPr lang="fr-FR" dirty="0"/>
+          </a:p>
+          <a:p>
+            <a:r>
+              <a:rPr lang="fr-FR" dirty="0"/>
+              <a:t>Plutôt que d’utiliser un installeur ou un gestionnaire de version comme NVM, ici, vous n’avez qu’à télécharger un unique binaire standalone sur leur </a:t>
+            </a:r>
+            <a:r>
+              <a:rPr lang="fr-FR" dirty="0" err="1"/>
+              <a:t>github</a:t>
+            </a:r>
+            <a:r>
+              <a:rPr lang="fr-FR" dirty="0"/>
+              <a:t>.</a:t>
+            </a:r>
+          </a:p>
+        </p:txBody>
+      </p:sp>
+      <p:sp>
+        <p:nvSpPr>
+          <p:cNvPr id="4" name="Espace réservé du numéro de diapositive 3"/>
+          <p:cNvSpPr>
+            <a:spLocks noGrp="1"/>
+          </p:cNvSpPr>
+          <p:nvPr>
+            <p:ph type="sldNum" sz="quarter" idx="5"/>
+          </p:nvPr>
+        </p:nvSpPr>
+        <p:spPr/>
+        <p:txBody>
+          <a:bodyPr/>
+          <a:lstStyle/>
+          <a:p>
+            <a:fld id="{C35508AD-A6C7-4AD1-8595-1ADBE703DE36}" type="slidenum">
+              <a:rPr lang="fr-FR" smtClean="0"/>
+              <a:t>7</a:t>
+            </a:fld>
+            <a:endParaRPr lang="fr-FR"/>
+          </a:p>
+        </p:txBody>
+      </p:sp>
+    </p:spTree>
+    <p:extLst>
+      <p:ext uri="{BB962C8B-B14F-4D97-AF65-F5344CB8AC3E}">
+        <p14:creationId xmlns:p14="http://schemas.microsoft.com/office/powerpoint/2010/main" val="2826132668"/>
+      </p:ext>
+    </p:extLst>
+  </p:cSld>
+  <p:clrMapOvr>
+    <a:masterClrMapping/>
+  </p:clrMapOvr>
+</p:notes>
+</file>
+
+<file path=ppt/notesSlides/notesSlide8.xml><?xml version="1.0" encoding="utf-8"?>
+<p:notes xmlns:a="http://schemas.openxmlformats.org/drawingml/2006/main" xmlns:r="http://schemas.openxmlformats.org/officeDocument/2006/relationships" xmlns:p="http://schemas.openxmlformats.org/presentationml/2006/main">
+  <p:cSld>
+    <p:spTree>
+      <p:nvGrpSpPr>
+        <p:cNvPr id="1" name=""/>
+        <p:cNvGrpSpPr/>
+        <p:nvPr/>
+      </p:nvGrpSpPr>
+      <p:grpSpPr>
+        <a:xfrm>
+          <a:off x="0" y="0"/>
+          <a:ext cx="0" cy="0"/>
+          <a:chOff x="0" y="0"/>
+          <a:chExt cx="0" cy="0"/>
+        </a:xfrm>
+      </p:grpSpPr>
+      <p:sp>
+        <p:nvSpPr>
+          <p:cNvPr id="2" name="Espace réservé de l'image des diapositives 1"/>
+          <p:cNvSpPr>
+            <a:spLocks noGrp="1" noRot="1" noChangeAspect="1"/>
+          </p:cNvSpPr>
+          <p:nvPr>
+            <p:ph type="sldImg"/>
+          </p:nvPr>
+        </p:nvSpPr>
+        <p:spPr/>
+      </p:sp>
+      <p:sp>
+        <p:nvSpPr>
+          <p:cNvPr id="3" name="Espace réservé des notes 2"/>
+          <p:cNvSpPr>
+            <a:spLocks noGrp="1"/>
+          </p:cNvSpPr>
+          <p:nvPr>
+            <p:ph type="body" idx="1"/>
+          </p:nvPr>
+        </p:nvSpPr>
+        <p:spPr/>
+        <p:txBody>
+          <a:bodyPr/>
+          <a:lstStyle/>
+          <a:p>
+            <a:r>
+              <a:rPr lang="fr-FR" dirty="0"/>
+              <a:t>Mais si vous êtes sur console, peut être que vous préférez un </a:t>
+            </a:r>
+            <a:r>
+              <a:rPr lang="fr-FR" dirty="0" err="1"/>
+              <a:t>oneliner</a:t>
+            </a:r>
+            <a:r>
+              <a:rPr lang="fr-FR" dirty="0"/>
+              <a:t>. Vous les avez ici.</a:t>
+            </a:r>
+          </a:p>
+          <a:p>
+            <a:endParaRPr lang="fr-FR" dirty="0"/>
+          </a:p>
+          <a:p>
+            <a:r>
+              <a:rPr lang="fr-FR" dirty="0"/>
+              <a:t>Et c’est parti !</a:t>
+            </a:r>
+          </a:p>
+        </p:txBody>
+      </p:sp>
+      <p:sp>
+        <p:nvSpPr>
+          <p:cNvPr id="4" name="Espace réservé du numéro de diapositive 3"/>
+          <p:cNvSpPr>
+            <a:spLocks noGrp="1"/>
+          </p:cNvSpPr>
+          <p:nvPr>
+            <p:ph type="sldNum" sz="quarter" idx="5"/>
+          </p:nvPr>
+        </p:nvSpPr>
+        <p:spPr/>
+        <p:txBody>
+          <a:bodyPr/>
+          <a:lstStyle/>
+          <a:p>
+            <a:fld id="{C35508AD-A6C7-4AD1-8595-1ADBE703DE36}" type="slidenum">
+              <a:rPr lang="fr-FR" smtClean="0"/>
+              <a:t>8</a:t>
+            </a:fld>
+            <a:endParaRPr lang="fr-FR"/>
+          </a:p>
+        </p:txBody>
+      </p:sp>
+    </p:spTree>
+    <p:extLst>
+      <p:ext uri="{BB962C8B-B14F-4D97-AF65-F5344CB8AC3E}">
+        <p14:creationId xmlns:p14="http://schemas.microsoft.com/office/powerpoint/2010/main" val="3136357897"/>
+      </p:ext>
+    </p:extLst>
+  </p:cSld>
+  <p:clrMapOvr>
+    <a:masterClrMapping/>
+  </p:clrMapOvr>
+</p:notes>
+</file>
+
+<file path=ppt/notesSlides/notesSlide9.xml><?xml version="1.0" encoding="utf-8"?>
+<p:notes xmlns:a="http://schemas.openxmlformats.org/drawingml/2006/main" xmlns:r="http://schemas.openxmlformats.org/officeDocument/2006/relationships" xmlns:p="http://schemas.openxmlformats.org/presentationml/2006/main">
+  <p:cSld>
+    <p:spTree>
+      <p:nvGrpSpPr>
+        <p:cNvPr id="1" name=""/>
+        <p:cNvGrpSpPr/>
+        <p:nvPr/>
+      </p:nvGrpSpPr>
+      <p:grpSpPr>
+        <a:xfrm>
+          <a:off x="0" y="0"/>
+          <a:ext cx="0" cy="0"/>
+          <a:chOff x="0" y="0"/>
+          <a:chExt cx="0" cy="0"/>
+        </a:xfrm>
+      </p:grpSpPr>
+      <p:sp>
+        <p:nvSpPr>
+          <p:cNvPr id="2" name="Espace réservé de l'image des diapositives 1"/>
+          <p:cNvSpPr>
+            <a:spLocks noGrp="1" noRot="1" noChangeAspect="1"/>
+          </p:cNvSpPr>
+          <p:nvPr>
+            <p:ph type="sldImg"/>
+          </p:nvPr>
+        </p:nvSpPr>
+        <p:spPr/>
+      </p:sp>
+      <p:sp>
+        <p:nvSpPr>
+          <p:cNvPr id="3" name="Espace réservé des notes 2"/>
+          <p:cNvSpPr>
+            <a:spLocks noGrp="1"/>
+          </p:cNvSpPr>
+          <p:nvPr>
+            <p:ph type="body" idx="1"/>
+          </p:nvPr>
+        </p:nvSpPr>
+        <p:spPr/>
+        <p:txBody>
+          <a:bodyPr/>
+          <a:lstStyle/>
+          <a:p>
+            <a:r>
+              <a:rPr lang="fr-FR" dirty="0"/>
+              <a:t>On va commencer par un premier exemple : afficher un hello world et le contenu d’un fichier.</a:t>
+            </a:r>
+          </a:p>
+        </p:txBody>
+      </p:sp>
+      <p:sp>
+        <p:nvSpPr>
+          <p:cNvPr id="4" name="Espace réservé du numéro de diapositive 3"/>
+          <p:cNvSpPr>
+            <a:spLocks noGrp="1"/>
+          </p:cNvSpPr>
+          <p:nvPr>
+            <p:ph type="sldNum" sz="quarter" idx="5"/>
+          </p:nvPr>
+        </p:nvSpPr>
+        <p:spPr/>
+        <p:txBody>
+          <a:bodyPr/>
+          <a:lstStyle/>
+          <a:p>
+            <a:fld id="{C35508AD-A6C7-4AD1-8595-1ADBE703DE36}" type="slidenum">
+              <a:rPr lang="fr-FR" smtClean="0"/>
+              <a:t>9</a:t>
+            </a:fld>
+            <a:endParaRPr lang="fr-FR"/>
+          </a:p>
+        </p:txBody>
+      </p:sp>
+    </p:spTree>
+    <p:extLst>
+      <p:ext uri="{BB962C8B-B14F-4D97-AF65-F5344CB8AC3E}">
+        <p14:creationId xmlns:p14="http://schemas.microsoft.com/office/powerpoint/2010/main" val="1938218637"/>
+      </p:ext>
+    </p:extLst>
+  </p:cSld>
+  <p:clrMapOvr>
+    <a:masterClrMapping/>
+  </p:clrMapOvr>
+</p:notes>
+</file>
+
 <file path=ppt/slideLayouts/slideLayout1.xml><?xml version="1.0" encoding="utf-8"?>
 <p:sldLayout xmlns:a="http://schemas.openxmlformats.org/drawingml/2006/main" xmlns:r="http://schemas.openxmlformats.org/officeDocument/2006/relationships" xmlns:p="http://schemas.openxmlformats.org/presentationml/2006/main" type="title" preserve="1">
   <p:cSld name="Diapositive de titre">
@@ -295,7 +2152,7 @@
           <a:p>
             <a:fld id="{CD5AFD8F-5A94-48C1-88E7-572D0183627F}" type="datetimeFigureOut">
               <a:rPr lang="fr-FR" smtClean="0"/>
-              <a:t>28/01/2023</a:t>
+              <a:t>31/01/2023</a:t>
             </a:fld>
             <a:endParaRPr lang="fr-FR"/>
           </a:p>
@@ -540,7 +2397,7 @@
           <a:p>
             <a:fld id="{CD5AFD8F-5A94-48C1-88E7-572D0183627F}" type="datetimeFigureOut">
               <a:rPr lang="fr-FR" smtClean="0"/>
-              <a:t>28/01/2023</a:t>
+              <a:t>31/01/2023</a:t>
             </a:fld>
             <a:endParaRPr lang="fr-FR"/>
           </a:p>
@@ -748,7 +2605,7 @@
           <a:p>
             <a:fld id="{CD5AFD8F-5A94-48C1-88E7-572D0183627F}" type="datetimeFigureOut">
               <a:rPr lang="fr-FR" smtClean="0"/>
-              <a:t>28/01/2023</a:t>
+              <a:t>31/01/2023</a:t>
             </a:fld>
             <a:endParaRPr lang="fr-FR"/>
           </a:p>
@@ -946,7 +2803,7 @@
           <a:p>
             <a:fld id="{CD5AFD8F-5A94-48C1-88E7-572D0183627F}" type="datetimeFigureOut">
               <a:rPr lang="fr-FR" smtClean="0"/>
-              <a:t>28/01/2023</a:t>
+              <a:t>31/01/2023</a:t>
             </a:fld>
             <a:endParaRPr lang="fr-FR"/>
           </a:p>
@@ -1221,7 +3078,7 @@
           <a:p>
             <a:fld id="{CD5AFD8F-5A94-48C1-88E7-572D0183627F}" type="datetimeFigureOut">
               <a:rPr lang="fr-FR" smtClean="0"/>
-              <a:t>28/01/2023</a:t>
+              <a:t>31/01/2023</a:t>
             </a:fld>
             <a:endParaRPr lang="fr-FR"/>
           </a:p>
@@ -1486,7 +3343,7 @@
           <a:p>
             <a:fld id="{CD5AFD8F-5A94-48C1-88E7-572D0183627F}" type="datetimeFigureOut">
               <a:rPr lang="fr-FR" smtClean="0"/>
-              <a:t>28/01/2023</a:t>
+              <a:t>31/01/2023</a:t>
             </a:fld>
             <a:endParaRPr lang="fr-FR"/>
           </a:p>
@@ -1898,7 +3755,7 @@
           <a:p>
             <a:fld id="{CD5AFD8F-5A94-48C1-88E7-572D0183627F}" type="datetimeFigureOut">
               <a:rPr lang="fr-FR" smtClean="0"/>
-              <a:t>28/01/2023</a:t>
+              <a:t>31/01/2023</a:t>
             </a:fld>
             <a:endParaRPr lang="fr-FR"/>
           </a:p>
@@ -2039,7 +3896,7 @@
           <a:p>
             <a:fld id="{CD5AFD8F-5A94-48C1-88E7-572D0183627F}" type="datetimeFigureOut">
               <a:rPr lang="fr-FR" smtClean="0"/>
-              <a:t>28/01/2023</a:t>
+              <a:t>31/01/2023</a:t>
             </a:fld>
             <a:endParaRPr lang="fr-FR"/>
           </a:p>
@@ -2152,7 +4009,7 @@
           <a:p>
             <a:fld id="{CD5AFD8F-5A94-48C1-88E7-572D0183627F}" type="datetimeFigureOut">
               <a:rPr lang="fr-FR" smtClean="0"/>
-              <a:t>28/01/2023</a:t>
+              <a:t>31/01/2023</a:t>
             </a:fld>
             <a:endParaRPr lang="fr-FR"/>
           </a:p>
@@ -2463,7 +4320,7 @@
           <a:p>
             <a:fld id="{CD5AFD8F-5A94-48C1-88E7-572D0183627F}" type="datetimeFigureOut">
               <a:rPr lang="fr-FR" smtClean="0"/>
-              <a:t>28/01/2023</a:t>
+              <a:t>31/01/2023</a:t>
             </a:fld>
             <a:endParaRPr lang="fr-FR"/>
           </a:p>
@@ -2751,7 +4608,7 @@
           <a:p>
             <a:fld id="{CD5AFD8F-5A94-48C1-88E7-572D0183627F}" type="datetimeFigureOut">
               <a:rPr lang="fr-FR" smtClean="0"/>
-              <a:t>28/01/2023</a:t>
+              <a:t>31/01/2023</a:t>
             </a:fld>
             <a:endParaRPr lang="fr-FR"/>
           </a:p>
@@ -2995,7 +4852,7 @@
           <a:p>
             <a:fld id="{CD5AFD8F-5A94-48C1-88E7-572D0183627F}" type="datetimeFigureOut">
               <a:rPr lang="fr-FR" smtClean="0"/>
-              <a:t>28/01/2023</a:t>
+              <a:t>31/01/2023</a:t>
             </a:fld>
             <a:endParaRPr lang="fr-FR"/>
           </a:p>
@@ -3630,7 +5487,7 @@
                 <a:latin typeface="Segoe UI" panose="020B0502040204020203" pitchFamily="34" charset="0"/>
                 <a:cs typeface="Segoe UI" panose="020B0502040204020203" pitchFamily="34" charset="0"/>
               </a:rPr>
-              <a:t> 1.29</a:t>
+              <a:t> 1.30</a:t>
             </a:r>
           </a:p>
         </p:txBody>
@@ -3727,13 +5584,13 @@
             <p:nvPr/>
           </p:nvPicPr>
           <p:blipFill>
-            <a:blip r:embed="rId2">
+            <a:blip r:embed="rId3">
               <a:extLst>
                 <a:ext uri="{28A0092B-C50C-407E-A947-70E740481C1C}">
                   <a14:useLocalDpi xmlns:a14="http://schemas.microsoft.com/office/drawing/2010/main" val="0"/>
                 </a:ext>
                 <a:ext uri="{96DAC541-7B7A-43D3-8B79-37D633B846F1}">
-                  <asvg:svgBlip xmlns:asvg="http://schemas.microsoft.com/office/drawing/2016/SVG/main" r:embed="rId3"/>
+                  <asvg:svgBlip xmlns:asvg="http://schemas.microsoft.com/office/drawing/2016/SVG/main" r:embed="rId4"/>
                 </a:ext>
               </a:extLst>
             </a:blip>
@@ -3857,36 +5714,6 @@
           <a:chExt cx="0" cy="0"/>
         </a:xfrm>
       </p:grpSpPr>
-      <p:pic>
-        <p:nvPicPr>
-          <p:cNvPr id="6" name="Image 5">
-            <a:extLst>
-              <a:ext uri="{FF2B5EF4-FFF2-40B4-BE49-F238E27FC236}">
-                <a16:creationId xmlns:a16="http://schemas.microsoft.com/office/drawing/2014/main" id="{CBC33AAB-74AC-4226-8A26-A5BC0CBFC8BB}"/>
-              </a:ext>
-            </a:extLst>
-          </p:cNvPr>
-          <p:cNvPicPr>
-            <a:picLocks noChangeAspect="1"/>
-          </p:cNvPicPr>
-          <p:nvPr/>
-        </p:nvPicPr>
-        <p:blipFill>
-          <a:blip r:embed="rId2"/>
-          <a:stretch>
-            <a:fillRect/>
-          </a:stretch>
-        </p:blipFill>
-        <p:spPr>
-          <a:xfrm>
-            <a:off x="2082302" y="2877572"/>
-            <a:ext cx="8027393" cy="2040045"/>
-          </a:xfrm>
-          <a:prstGeom prst="rect">
-            <a:avLst/>
-          </a:prstGeom>
-        </p:spPr>
-      </p:pic>
       <p:sp>
         <p:nvSpPr>
           <p:cNvPr id="9" name="Rectangle : coins arrondis 8">
@@ -4156,6 +5983,36 @@
           </a:p>
         </p:txBody>
       </p:sp>
+      <p:pic>
+        <p:nvPicPr>
+          <p:cNvPr id="3" name="Image 2">
+            <a:extLst>
+              <a:ext uri="{FF2B5EF4-FFF2-40B4-BE49-F238E27FC236}">
+                <a16:creationId xmlns:a16="http://schemas.microsoft.com/office/drawing/2014/main" id="{093C2956-2A3A-DCA9-0760-A96FC6B1E01B}"/>
+              </a:ext>
+            </a:extLst>
+          </p:cNvPr>
+          <p:cNvPicPr>
+            <a:picLocks noChangeAspect="1"/>
+          </p:cNvPicPr>
+          <p:nvPr/>
+        </p:nvPicPr>
+        <p:blipFill>
+          <a:blip r:embed="rId5"/>
+          <a:stretch>
+            <a:fillRect/>
+          </a:stretch>
+        </p:blipFill>
+        <p:spPr>
+          <a:xfrm>
+            <a:off x="1909178" y="2908336"/>
+            <a:ext cx="8373644" cy="2372056"/>
+          </a:xfrm>
+          <a:prstGeom prst="rect">
+            <a:avLst/>
+          </a:prstGeom>
+        </p:spPr>
+      </p:pic>
     </p:spTree>
     <p:extLst>
       <p:ext uri="{BB962C8B-B14F-4D97-AF65-F5344CB8AC3E}">
@@ -4210,7 +6067,7 @@
         </p:spPr>
         <p:txBody>
           <a:bodyPr>
-            <a:normAutofit fontScale="92500"/>
+            <a:normAutofit/>
           </a:bodyPr>
           <a:lstStyle/>
           <a:p>
@@ -4231,9 +6088,15 @@
                 <a:solidFill>
                   <a:srgbClr val="3B78FF"/>
                 </a:solidFill>
+                <a:hlinkClick r:id="rId3"/>
               </a:rPr>
-              <a:t>https://ifuckinghatejira.deno.dev/</a:t>
-            </a:r>
+              <a:t>https://catfact.ninja/fact</a:t>
+            </a:r>
+            <a:endParaRPr lang="fr-FR" sz="2400" b="1" dirty="0">
+              <a:solidFill>
+                <a:srgbClr val="3B78FF"/>
+              </a:solidFill>
+            </a:endParaRPr>
           </a:p>
           <a:p>
             <a:pPr marL="457200" indent="-457200" algn="just">
@@ -4241,13 +6104,42 @@
               <a:buAutoNum type="arabicPeriod"/>
             </a:pPr>
             <a:r>
-              <a:rPr lang="fr-FR" sz="2400" dirty="0">
+              <a:rPr lang="fr-FR" dirty="0">
                 <a:solidFill>
                   <a:srgbClr val="F2F2F2"/>
                 </a:solidFill>
               </a:rPr>
-              <a:t>Faire appel à cette API</a:t>
-            </a:r>
+              <a:t>Faire appel à cette api en utilisant </a:t>
+            </a:r>
+            <a:r>
+              <a:rPr lang="fr-FR" dirty="0" err="1">
+                <a:solidFill>
+                  <a:srgbClr val="F2F2F2"/>
+                </a:solidFill>
+              </a:rPr>
+              <a:t>Typescript</a:t>
+            </a:r>
+            <a:r>
+              <a:rPr lang="fr-FR" dirty="0">
+                <a:solidFill>
+                  <a:srgbClr val="F2F2F2"/>
+                </a:solidFill>
+              </a:rPr>
+              <a:t> et </a:t>
+            </a:r>
+            <a:r>
+              <a:rPr lang="fr-FR" dirty="0" err="1">
+                <a:solidFill>
+                  <a:srgbClr val="F2F2F2"/>
+                </a:solidFill>
+              </a:rPr>
+              <a:t>fetch</a:t>
+            </a:r>
+            <a:endParaRPr lang="fr-FR" sz="2400" dirty="0">
+              <a:solidFill>
+                <a:srgbClr val="F2F2F2"/>
+              </a:solidFill>
+            </a:endParaRPr>
           </a:p>
           <a:p>
             <a:pPr marL="457200" indent="-457200" algn="just">
@@ -4260,41 +6152,11 @@
                   <a:srgbClr val="F2F2F2"/>
                 </a:solidFill>
               </a:rPr>
-              <a:t>Ne rendre l'affichage du message que si l'utilisateur n'aime pas Jira.</a:t>
-            </a:r>
-          </a:p>
-        </p:txBody>
-      </p:sp>
-      <p:pic>
-        <p:nvPicPr>
-          <p:cNvPr id="6" name="Image 5">
-            <a:extLst>
-              <a:ext uri="{FF2B5EF4-FFF2-40B4-BE49-F238E27FC236}">
-                <a16:creationId xmlns:a16="http://schemas.microsoft.com/office/drawing/2014/main" id="{0FA4B1BD-0DB5-48B7-893B-2CB90C4AD53F}"/>
-              </a:ext>
-            </a:extLst>
-          </p:cNvPr>
-          <p:cNvPicPr>
-            <a:picLocks noChangeAspect="1"/>
-          </p:cNvPicPr>
-          <p:nvPr/>
-        </p:nvPicPr>
-        <p:blipFill>
-          <a:blip r:embed="rId2"/>
-          <a:stretch>
-            <a:fillRect/>
-          </a:stretch>
-        </p:blipFill>
-        <p:spPr>
-          <a:xfrm>
-            <a:off x="1378855" y="4075021"/>
-            <a:ext cx="9434288" cy="1703708"/>
-          </a:xfrm>
-          <a:prstGeom prst="rect">
-            <a:avLst/>
-          </a:prstGeom>
-        </p:spPr>
-      </p:pic>
+              <a:t>Ne rendre l'affichage du message que si l'utilisateur vous autorise</a:t>
+            </a:r>
+          </a:p>
+        </p:txBody>
+      </p:sp>
       <p:sp>
         <p:nvSpPr>
           <p:cNvPr id="5" name="Rectangle : coins arrondis 4">
@@ -4439,13 +6301,13 @@
             <p:nvPr/>
           </p:nvPicPr>
           <p:blipFill>
-            <a:blip r:embed="rId3">
+            <a:blip r:embed="rId4">
               <a:extLst>
                 <a:ext uri="{28A0092B-C50C-407E-A947-70E740481C1C}">
                   <a14:useLocalDpi xmlns:a14="http://schemas.microsoft.com/office/drawing/2010/main" val="0"/>
                 </a:ext>
                 <a:ext uri="{96DAC541-7B7A-43D3-8B79-37D633B846F1}">
-                  <asvg:svgBlip xmlns:asvg="http://schemas.microsoft.com/office/drawing/2016/SVG/main" r:embed="rId4"/>
+                  <asvg:svgBlip xmlns:asvg="http://schemas.microsoft.com/office/drawing/2016/SVG/main" r:embed="rId5"/>
                 </a:ext>
               </a:extLst>
             </a:blip>
@@ -4526,10 +6388,10 @@
       </p:sp>
       <p:pic>
         <p:nvPicPr>
-          <p:cNvPr id="13" name="Image 12">
-            <a:extLst>
-              <a:ext uri="{FF2B5EF4-FFF2-40B4-BE49-F238E27FC236}">
-                <a16:creationId xmlns:a16="http://schemas.microsoft.com/office/drawing/2014/main" id="{03332E60-D2FE-41B7-A8AE-70BD9D307C5E}"/>
+          <p:cNvPr id="3" name="Image 2">
+            <a:extLst>
+              <a:ext uri="{FF2B5EF4-FFF2-40B4-BE49-F238E27FC236}">
+                <a16:creationId xmlns:a16="http://schemas.microsoft.com/office/drawing/2014/main" id="{39FDC365-6C8A-A1DD-3FB4-55B50A919987}"/>
               </a:ext>
             </a:extLst>
           </p:cNvPr>
@@ -4539,15 +6401,15 @@
           <p:nvPr/>
         </p:nvPicPr>
         <p:blipFill>
-          <a:blip r:embed="rId5"/>
+          <a:blip r:embed="rId6"/>
           <a:stretch>
             <a:fillRect/>
           </a:stretch>
         </p:blipFill>
         <p:spPr>
           <a:xfrm>
-            <a:off x="12790034" y="1600880"/>
-            <a:ext cx="4638675" cy="3133725"/>
+            <a:off x="1158577" y="3972498"/>
+            <a:ext cx="10116962" cy="1524213"/>
           </a:xfrm>
           <a:prstGeom prst="rect">
             <a:avLst/>
@@ -4596,36 +6458,6 @@
           <a:chExt cx="0" cy="0"/>
         </a:xfrm>
       </p:grpSpPr>
-      <p:pic>
-        <p:nvPicPr>
-          <p:cNvPr id="8" name="Image 7">
-            <a:extLst>
-              <a:ext uri="{FF2B5EF4-FFF2-40B4-BE49-F238E27FC236}">
-                <a16:creationId xmlns:a16="http://schemas.microsoft.com/office/drawing/2014/main" id="{507F1A4F-35BF-4975-AB6E-76A231880391}"/>
-              </a:ext>
-            </a:extLst>
-          </p:cNvPr>
-          <p:cNvPicPr>
-            <a:picLocks noChangeAspect="1"/>
-          </p:cNvPicPr>
-          <p:nvPr/>
-        </p:nvPicPr>
-        <p:blipFill>
-          <a:blip r:embed="rId2"/>
-          <a:stretch>
-            <a:fillRect/>
-          </a:stretch>
-        </p:blipFill>
-        <p:spPr>
-          <a:xfrm>
-            <a:off x="1450321" y="2898521"/>
-            <a:ext cx="9291358" cy="3037822"/>
-          </a:xfrm>
-          <a:prstGeom prst="rect">
-            <a:avLst/>
-          </a:prstGeom>
-        </p:spPr>
-      </p:pic>
       <p:sp>
         <p:nvSpPr>
           <p:cNvPr id="11" name="Rectangle : coins arrondis 10">
@@ -4873,7 +6705,7 @@
         </p:nvSpPr>
         <p:spPr>
           <a:xfrm>
-            <a:off x="1989114" y="2001267"/>
+            <a:off x="1989114" y="1531367"/>
             <a:ext cx="8213769" cy="1427733"/>
           </a:xfrm>
         </p:spPr>
@@ -4895,6 +6727,36 @@
           </a:p>
         </p:txBody>
       </p:sp>
+      <p:pic>
+        <p:nvPicPr>
+          <p:cNvPr id="3" name="Image 2">
+            <a:extLst>
+              <a:ext uri="{FF2B5EF4-FFF2-40B4-BE49-F238E27FC236}">
+                <a16:creationId xmlns:a16="http://schemas.microsoft.com/office/drawing/2014/main" id="{2EC6402C-A790-1FCC-A979-20D3D5FD5172}"/>
+              </a:ext>
+            </a:extLst>
+          </p:cNvPr>
+          <p:cNvPicPr>
+            <a:picLocks noChangeAspect="1"/>
+          </p:cNvPicPr>
+          <p:nvPr/>
+        </p:nvPicPr>
+        <p:blipFill>
+          <a:blip r:embed="rId5"/>
+          <a:stretch>
+            <a:fillRect/>
+          </a:stretch>
+        </p:blipFill>
+        <p:spPr>
+          <a:xfrm>
+            <a:off x="1275677" y="2034567"/>
+            <a:ext cx="9640645" cy="4353533"/>
+          </a:xfrm>
+          <a:prstGeom prst="rect">
+            <a:avLst/>
+          </a:prstGeom>
+        </p:spPr>
+      </p:pic>
     </p:spTree>
     <p:extLst>
       <p:ext uri="{BB962C8B-B14F-4D97-AF65-F5344CB8AC3E}">
@@ -5012,36 +6874,6 @@
           </a:p>
         </p:txBody>
       </p:sp>
-      <p:pic>
-        <p:nvPicPr>
-          <p:cNvPr id="5" name="Image 4">
-            <a:extLst>
-              <a:ext uri="{FF2B5EF4-FFF2-40B4-BE49-F238E27FC236}">
-                <a16:creationId xmlns:a16="http://schemas.microsoft.com/office/drawing/2014/main" id="{2DA806CF-4D51-44A5-A829-49579FE37B47}"/>
-              </a:ext>
-            </a:extLst>
-          </p:cNvPr>
-          <p:cNvPicPr>
-            <a:picLocks noChangeAspect="1"/>
-          </p:cNvPicPr>
-          <p:nvPr/>
-        </p:nvPicPr>
-        <p:blipFill>
-          <a:blip r:embed="rId2"/>
-          <a:stretch>
-            <a:fillRect/>
-          </a:stretch>
-        </p:blipFill>
-        <p:spPr>
-          <a:xfrm>
-            <a:off x="1329276" y="3182592"/>
-            <a:ext cx="9533446" cy="3101609"/>
-          </a:xfrm>
-          <a:prstGeom prst="rect">
-            <a:avLst/>
-          </a:prstGeom>
-        </p:spPr>
-      </p:pic>
       <p:sp>
         <p:nvSpPr>
           <p:cNvPr id="6" name="Rectangle : coins arrondis 5">
@@ -5271,6 +7103,36 @@
           </a:p>
         </p:txBody>
       </p:sp>
+      <p:pic>
+        <p:nvPicPr>
+          <p:cNvPr id="12" name="Image 11">
+            <a:extLst>
+              <a:ext uri="{FF2B5EF4-FFF2-40B4-BE49-F238E27FC236}">
+                <a16:creationId xmlns:a16="http://schemas.microsoft.com/office/drawing/2014/main" id="{5B35824C-4EC5-DF99-602B-3A234456F133}"/>
+              </a:ext>
+            </a:extLst>
+          </p:cNvPr>
+          <p:cNvPicPr>
+            <a:picLocks noChangeAspect="1"/>
+          </p:cNvPicPr>
+          <p:nvPr/>
+        </p:nvPicPr>
+        <p:blipFill>
+          <a:blip r:embed="rId5"/>
+          <a:stretch>
+            <a:fillRect/>
+          </a:stretch>
+        </p:blipFill>
+        <p:spPr>
+          <a:xfrm>
+            <a:off x="1752513" y="3082804"/>
+            <a:ext cx="8343900" cy="3267075"/>
+          </a:xfrm>
+          <a:prstGeom prst="rect">
+            <a:avLst/>
+          </a:prstGeom>
+        </p:spPr>
+      </p:pic>
     </p:spTree>
     <p:extLst>
       <p:ext uri="{BB962C8B-B14F-4D97-AF65-F5344CB8AC3E}">
@@ -5376,10 +7238,10 @@
       </p:sp>
       <p:pic>
         <p:nvPicPr>
-          <p:cNvPr id="8" name="Image 7">
-            <a:extLst>
-              <a:ext uri="{FF2B5EF4-FFF2-40B4-BE49-F238E27FC236}">
-                <a16:creationId xmlns:a16="http://schemas.microsoft.com/office/drawing/2014/main" id="{119D1675-0389-4F59-B409-5B89C1904253}"/>
+          <p:cNvPr id="6" name="Image 5">
+            <a:extLst>
+              <a:ext uri="{FF2B5EF4-FFF2-40B4-BE49-F238E27FC236}">
+                <a16:creationId xmlns:a16="http://schemas.microsoft.com/office/drawing/2014/main" id="{639A74C5-3E46-28E4-FAA2-047F51C00619}"/>
               </a:ext>
             </a:extLst>
           </p:cNvPr>
@@ -5396,8 +7258,8 @@
         </p:blipFill>
         <p:spPr>
           <a:xfrm>
-            <a:off x="495300" y="266677"/>
-            <a:ext cx="7287642" cy="3905795"/>
+            <a:off x="1203597" y="4381233"/>
+            <a:ext cx="7783011" cy="2076740"/>
           </a:xfrm>
           <a:prstGeom prst="rect">
             <a:avLst/>
@@ -5406,10 +7268,10 @@
       </p:pic>
       <p:pic>
         <p:nvPicPr>
-          <p:cNvPr id="12" name="Image 11">
-            <a:extLst>
-              <a:ext uri="{FF2B5EF4-FFF2-40B4-BE49-F238E27FC236}">
-                <a16:creationId xmlns:a16="http://schemas.microsoft.com/office/drawing/2014/main" id="{290E2DB6-CAE2-4012-93EF-1616FBF3E67A}"/>
+          <p:cNvPr id="9" name="Image 8">
+            <a:extLst>
+              <a:ext uri="{FF2B5EF4-FFF2-40B4-BE49-F238E27FC236}">
+                <a16:creationId xmlns:a16="http://schemas.microsoft.com/office/drawing/2014/main" id="{74358026-4EC8-BB0A-C1E9-9FEB73EB7138}"/>
               </a:ext>
             </a:extLst>
           </p:cNvPr>
@@ -5426,8 +7288,8 @@
         </p:blipFill>
         <p:spPr>
           <a:xfrm>
-            <a:off x="1030015" y="4514602"/>
-            <a:ext cx="6392167" cy="1943371"/>
+            <a:off x="1203597" y="259417"/>
+            <a:ext cx="6638866" cy="3782872"/>
           </a:xfrm>
           <a:prstGeom prst="rect">
             <a:avLst/>
@@ -6598,7 +8460,7 @@
                   <a:srgbClr val="F2F2F2"/>
                 </a:solidFill>
               </a:rPr>
-              <a:t> 1.28 à 1.29 </a:t>
+              <a:t> </a:t>
             </a:r>
             <a:r>
               <a:rPr lang="fr-FR" dirty="0">
@@ -6615,16 +8477,13 @@
                 </a:solidFill>
                 <a:hlinkClick r:id="rId3"/>
               </a:rPr>
-              <a:t>https://deno.com/blog/v1.29</a:t>
-            </a:r>
-            <a:r>
-              <a:rPr lang="fr-FR" dirty="0">
-                <a:solidFill>
-                  <a:srgbClr val="F2F2F2"/>
-                </a:solidFill>
-              </a:rPr>
-              <a:t> </a:t>
-            </a:r>
+              <a:t>https://deno.com/blog/</a:t>
+            </a:r>
+            <a:endParaRPr lang="fr-FR" dirty="0">
+              <a:solidFill>
+                <a:srgbClr val="F2F2F2"/>
+              </a:solidFill>
+            </a:endParaRPr>
           </a:p>
           <a:p>
             <a:pPr marL="342900" indent="-342900" algn="just">
@@ -8632,13 +10491,13 @@
             <p:nvPr/>
           </p:nvPicPr>
           <p:blipFill>
-            <a:blip r:embed="rId2">
+            <a:blip r:embed="rId3">
               <a:extLst>
                 <a:ext uri="{28A0092B-C50C-407E-A947-70E740481C1C}">
                   <a14:useLocalDpi xmlns:a14="http://schemas.microsoft.com/office/drawing/2010/main" val="0"/>
                 </a:ext>
                 <a:ext uri="{96DAC541-7B7A-43D3-8B79-37D633B846F1}">
-                  <asvg:svgBlip xmlns:asvg="http://schemas.microsoft.com/office/drawing/2016/SVG/main" r:embed="rId3"/>
+                  <asvg:svgBlip xmlns:asvg="http://schemas.microsoft.com/office/drawing/2016/SVG/main" r:embed="rId4"/>
                 </a:ext>
               </a:extLst>
             </a:blip>
@@ -9675,7 +11534,7 @@
           <p:nvPr/>
         </p:nvPicPr>
         <p:blipFill>
-          <a:blip r:embed="rId2">
+          <a:blip r:embed="rId3">
             <a:extLst>
               <a:ext uri="{28A0092B-C50C-407E-A947-70E740481C1C}">
                 <a14:useLocalDpi xmlns:a14="http://schemas.microsoft.com/office/drawing/2010/main" val="0"/>
@@ -9788,13 +11647,13 @@
             <p:nvPr/>
           </p:nvPicPr>
           <p:blipFill>
-            <a:blip r:embed="rId3">
+            <a:blip r:embed="rId4">
               <a:extLst>
                 <a:ext uri="{28A0092B-C50C-407E-A947-70E740481C1C}">
                   <a14:useLocalDpi xmlns:a14="http://schemas.microsoft.com/office/drawing/2010/main" val="0"/>
                 </a:ext>
                 <a:ext uri="{96DAC541-7B7A-43D3-8B79-37D633B846F1}">
-                  <asvg:svgBlip xmlns:asvg="http://schemas.microsoft.com/office/drawing/2016/SVG/main" r:embed="rId4"/>
+                  <asvg:svgBlip xmlns:asvg="http://schemas.microsoft.com/office/drawing/2016/SVG/main" r:embed="rId5"/>
                 </a:ext>
               </a:extLst>
             </a:blip>
@@ -9881,7 +11740,7 @@
           <p:nvPr/>
         </p:nvPicPr>
         <p:blipFill>
-          <a:blip r:embed="rId5">
+          <a:blip r:embed="rId6">
             <a:extLst>
               <a:ext uri="{28A0092B-C50C-407E-A947-70E740481C1C}">
                 <a14:useLocalDpi xmlns:a14="http://schemas.microsoft.com/office/drawing/2010/main" val="0"/>
@@ -10035,7 +11894,7 @@
           <p:nvPr/>
         </p:nvPicPr>
         <p:blipFill>
-          <a:blip r:embed="rId6">
+          <a:blip r:embed="rId7">
             <a:extLst>
               <a:ext uri="{28A0092B-C50C-407E-A947-70E740481C1C}">
                 <a14:useLocalDpi xmlns:a14="http://schemas.microsoft.com/office/drawing/2010/main" val="0"/>
@@ -10244,7 +12103,7 @@
           <p:nvPr/>
         </p:nvPicPr>
         <p:blipFill>
-          <a:blip r:embed="rId2">
+          <a:blip r:embed="rId3">
             <a:extLst>
               <a:ext uri="{28A0092B-C50C-407E-A947-70E740481C1C}">
                 <a14:useLocalDpi xmlns:a14="http://schemas.microsoft.com/office/drawing/2010/main" val="0"/>
@@ -10280,7 +12139,7 @@
           <p:nvPr/>
         </p:nvPicPr>
         <p:blipFill>
-          <a:blip r:embed="rId3">
+          <a:blip r:embed="rId4">
             <a:extLst>
               <a:ext uri="{28A0092B-C50C-407E-A947-70E740481C1C}">
                 <a14:useLocalDpi xmlns:a14="http://schemas.microsoft.com/office/drawing/2010/main" val="0"/>
@@ -10721,7 +12580,7 @@
           <p:nvPr/>
         </p:nvPicPr>
         <p:blipFill>
-          <a:blip r:embed="rId2">
+          <a:blip r:embed="rId3">
             <a:extLst>
               <a:ext uri="{28A0092B-C50C-407E-A947-70E740481C1C}">
                 <a14:useLocalDpi xmlns:a14="http://schemas.microsoft.com/office/drawing/2010/main" val="0"/>
@@ -10809,7 +12668,7 @@
           <p:nvPr/>
         </p:nvPicPr>
         <p:blipFill>
-          <a:blip r:embed="rId3">
+          <a:blip r:embed="rId4">
             <a:extLst>
               <a:ext uri="{28A0092B-C50C-407E-A947-70E740481C1C}">
                 <a14:useLocalDpi xmlns:a14="http://schemas.microsoft.com/office/drawing/2010/main" val="0"/>
@@ -10904,7 +12763,7 @@
           <p:nvPr/>
         </p:nvPicPr>
         <p:blipFill>
-          <a:blip r:embed="rId4"/>
+          <a:blip r:embed="rId5"/>
           <a:stretch>
             <a:fillRect/>
           </a:stretch>
@@ -11994,13 +13853,13 @@
             <p:nvPr/>
           </p:nvPicPr>
           <p:blipFill>
-            <a:blip r:embed="rId2">
+            <a:blip r:embed="rId3">
               <a:extLst>
                 <a:ext uri="{28A0092B-C50C-407E-A947-70E740481C1C}">
                   <a14:useLocalDpi xmlns:a14="http://schemas.microsoft.com/office/drawing/2010/main" val="0"/>
                 </a:ext>
                 <a:ext uri="{96DAC541-7B7A-43D3-8B79-37D633B846F1}">
-                  <asvg:svgBlip xmlns:asvg="http://schemas.microsoft.com/office/drawing/2016/SVG/main" r:embed="rId3"/>
+                  <asvg:svgBlip xmlns:asvg="http://schemas.microsoft.com/office/drawing/2016/SVG/main" r:embed="rId4"/>
                 </a:ext>
               </a:extLst>
             </a:blip>
@@ -12087,7 +13946,7 @@
           <p:nvPr/>
         </p:nvPicPr>
         <p:blipFill>
-          <a:blip r:embed="rId4">
+          <a:blip r:embed="rId5">
             <a:extLst>
               <a:ext uri="{28A0092B-C50C-407E-A947-70E740481C1C}">
                 <a14:useLocalDpi xmlns:a14="http://schemas.microsoft.com/office/drawing/2010/main" val="0"/>
@@ -12182,7 +14041,7 @@
           <p:nvPr/>
         </p:nvPicPr>
         <p:blipFill>
-          <a:blip r:embed="rId5">
+          <a:blip r:embed="rId6">
             <a:extLst>
               <a:ext uri="{28A0092B-C50C-407E-A947-70E740481C1C}">
                 <a14:useLocalDpi xmlns:a14="http://schemas.microsoft.com/office/drawing/2010/main" val="0"/>
@@ -12218,7 +14077,7 @@
           <p:nvPr/>
         </p:nvPicPr>
         <p:blipFill>
-          <a:blip r:embed="rId6">
+          <a:blip r:embed="rId7">
             <a:extLst>
               <a:ext uri="{28A0092B-C50C-407E-A947-70E740481C1C}">
                 <a14:useLocalDpi xmlns:a14="http://schemas.microsoft.com/office/drawing/2010/main" val="0"/>
@@ -12495,13 +14354,13 @@
             <p:nvPr/>
           </p:nvPicPr>
           <p:blipFill>
-            <a:blip r:embed="rId2">
+            <a:blip r:embed="rId3">
               <a:extLst>
                 <a:ext uri="{28A0092B-C50C-407E-A947-70E740481C1C}">
                   <a14:useLocalDpi xmlns:a14="http://schemas.microsoft.com/office/drawing/2010/main" val="0"/>
                 </a:ext>
                 <a:ext uri="{96DAC541-7B7A-43D3-8B79-37D633B846F1}">
-                  <asvg:svgBlip xmlns:asvg="http://schemas.microsoft.com/office/drawing/2016/SVG/main" r:embed="rId3"/>
+                  <asvg:svgBlip xmlns:asvg="http://schemas.microsoft.com/office/drawing/2016/SVG/main" r:embed="rId4"/>
                 </a:ext>
               </a:extLst>
             </a:blip>
@@ -12667,7 +14526,7 @@
             <p:nvPr/>
           </p:nvPicPr>
           <p:blipFill>
-            <a:blip r:embed="rId4">
+            <a:blip r:embed="rId5">
               <a:extLst>
                 <a:ext uri="{28A0092B-C50C-407E-A947-70E740481C1C}">
                   <a14:useLocalDpi xmlns:a14="http://schemas.microsoft.com/office/drawing/2010/main" val="0"/>
@@ -12714,7 +14573,7 @@
             <p:nvPr/>
           </p:nvPicPr>
           <p:blipFill rotWithShape="1">
-            <a:blip r:embed="rId5">
+            <a:blip r:embed="rId6">
               <a:extLst>
                 <a:ext uri="{28A0092B-C50C-407E-A947-70E740481C1C}">
                   <a14:useLocalDpi xmlns:a14="http://schemas.microsoft.com/office/drawing/2010/main" val="0"/>
@@ -12749,7 +14608,7 @@
             <p:nvPr/>
           </p:nvPicPr>
           <p:blipFill>
-            <a:blip r:embed="rId6"/>
+            <a:blip r:embed="rId7"/>
             <a:stretch>
               <a:fillRect/>
             </a:stretch>
@@ -12991,13 +14850,13 @@
             <p:nvPr/>
           </p:nvPicPr>
           <p:blipFill>
-            <a:blip r:embed="rId2">
+            <a:blip r:embed="rId3">
               <a:extLst>
                 <a:ext uri="{28A0092B-C50C-407E-A947-70E740481C1C}">
                   <a14:useLocalDpi xmlns:a14="http://schemas.microsoft.com/office/drawing/2010/main" val="0"/>
                 </a:ext>
                 <a:ext uri="{96DAC541-7B7A-43D3-8B79-37D633B846F1}">
-                  <asvg:svgBlip xmlns:asvg="http://schemas.microsoft.com/office/drawing/2016/SVG/main" r:embed="rId3"/>
+                  <asvg:svgBlip xmlns:asvg="http://schemas.microsoft.com/office/drawing/2016/SVG/main" r:embed="rId4"/>
                 </a:ext>
               </a:extLst>
             </a:blip>
@@ -13163,7 +15022,7 @@
             <p:nvPr/>
           </p:nvPicPr>
           <p:blipFill>
-            <a:blip r:embed="rId4">
+            <a:blip r:embed="rId5">
               <a:extLst>
                 <a:ext uri="{28A0092B-C50C-407E-A947-70E740481C1C}">
                   <a14:useLocalDpi xmlns:a14="http://schemas.microsoft.com/office/drawing/2010/main" val="0"/>
@@ -13210,7 +15069,7 @@
             <p:nvPr/>
           </p:nvPicPr>
           <p:blipFill rotWithShape="1">
-            <a:blip r:embed="rId5">
+            <a:blip r:embed="rId6">
               <a:extLst>
                 <a:ext uri="{28A0092B-C50C-407E-A947-70E740481C1C}">
                   <a14:useLocalDpi xmlns:a14="http://schemas.microsoft.com/office/drawing/2010/main" val="0"/>
@@ -13245,7 +15104,7 @@
             <p:nvPr/>
           </p:nvPicPr>
           <p:blipFill>
-            <a:blip r:embed="rId6"/>
+            <a:blip r:embed="rId7"/>
             <a:stretch>
               <a:fillRect/>
             </a:stretch>
@@ -14122,36 +15981,6 @@
           </a:p>
         </p:txBody>
       </p:sp>
-      <p:pic>
-        <p:nvPicPr>
-          <p:cNvPr id="5" name="Image 4">
-            <a:extLst>
-              <a:ext uri="{FF2B5EF4-FFF2-40B4-BE49-F238E27FC236}">
-                <a16:creationId xmlns:a16="http://schemas.microsoft.com/office/drawing/2014/main" id="{CC6C8FD7-481C-4EC3-9491-0C8EA7FE261B}"/>
-              </a:ext>
-            </a:extLst>
-          </p:cNvPr>
-          <p:cNvPicPr>
-            <a:picLocks noChangeAspect="1"/>
-          </p:cNvPicPr>
-          <p:nvPr/>
-        </p:nvPicPr>
-        <p:blipFill>
-          <a:blip r:embed="rId2"/>
-          <a:stretch>
-            <a:fillRect/>
-          </a:stretch>
-        </p:blipFill>
-        <p:spPr>
-          <a:xfrm>
-            <a:off x="1675782" y="4246518"/>
-            <a:ext cx="8840434" cy="1276528"/>
-          </a:xfrm>
-          <a:prstGeom prst="rect">
-            <a:avLst/>
-          </a:prstGeom>
-        </p:spPr>
-      </p:pic>
       <p:sp>
         <p:nvSpPr>
           <p:cNvPr id="6" name="Rectangle : coins arrondis 5">
@@ -14381,6 +16210,36 @@
           </a:p>
         </p:txBody>
       </p:sp>
+      <p:pic>
+        <p:nvPicPr>
+          <p:cNvPr id="12" name="Image 11">
+            <a:extLst>
+              <a:ext uri="{FF2B5EF4-FFF2-40B4-BE49-F238E27FC236}">
+                <a16:creationId xmlns:a16="http://schemas.microsoft.com/office/drawing/2014/main" id="{D4267BF7-946A-6B77-F83C-ABBE119433F0}"/>
+              </a:ext>
+            </a:extLst>
+          </p:cNvPr>
+          <p:cNvPicPr>
+            <a:picLocks noChangeAspect="1"/>
+          </p:cNvPicPr>
+          <p:nvPr/>
+        </p:nvPicPr>
+        <p:blipFill>
+          <a:blip r:embed="rId5"/>
+          <a:stretch>
+            <a:fillRect/>
+          </a:stretch>
+        </p:blipFill>
+        <p:spPr>
+          <a:xfrm>
+            <a:off x="1714146" y="4155247"/>
+            <a:ext cx="8763703" cy="1425781"/>
+          </a:xfrm>
+          <a:prstGeom prst="rect">
+            <a:avLst/>
+          </a:prstGeom>
+        </p:spPr>
+      </p:pic>
     </p:spTree>
     <p:extLst>
       <p:ext uri="{BB962C8B-B14F-4D97-AF65-F5344CB8AC3E}">
@@ -14701,13 +16560,305 @@
 </a:theme>
 </file>
 
+<file path=ppt/theme/theme2.xml><?xml version="1.0" encoding="utf-8"?>
+<a:theme xmlns:a="http://schemas.openxmlformats.org/drawingml/2006/main" name="Thème Office">
+  <a:themeElements>
+    <a:clrScheme name="Office">
+      <a:dk1>
+        <a:sysClr val="windowText" lastClr="000000"/>
+      </a:dk1>
+      <a:lt1>
+        <a:sysClr val="window" lastClr="FFFFFF"/>
+      </a:lt1>
+      <a:dk2>
+        <a:srgbClr val="44546A"/>
+      </a:dk2>
+      <a:lt2>
+        <a:srgbClr val="E7E6E6"/>
+      </a:lt2>
+      <a:accent1>
+        <a:srgbClr val="4472C4"/>
+      </a:accent1>
+      <a:accent2>
+        <a:srgbClr val="ED7D31"/>
+      </a:accent2>
+      <a:accent3>
+        <a:srgbClr val="A5A5A5"/>
+      </a:accent3>
+      <a:accent4>
+        <a:srgbClr val="FFC000"/>
+      </a:accent4>
+      <a:accent5>
+        <a:srgbClr val="5B9BD5"/>
+      </a:accent5>
+      <a:accent6>
+        <a:srgbClr val="70AD47"/>
+      </a:accent6>
+      <a:hlink>
+        <a:srgbClr val="0563C1"/>
+      </a:hlink>
+      <a:folHlink>
+        <a:srgbClr val="954F72"/>
+      </a:folHlink>
+    </a:clrScheme>
+    <a:fontScheme name="Office">
+      <a:majorFont>
+        <a:latin typeface="Calibri Light" panose="020F0302020204030204"/>
+        <a:ea typeface=""/>
+        <a:cs typeface=""/>
+        <a:font script="Jpan" typeface="游ゴシック Light"/>
+        <a:font script="Hang" typeface="맑은 고딕"/>
+        <a:font script="Hans" typeface="等线 Light"/>
+        <a:font script="Hant" typeface="新細明體"/>
+        <a:font script="Arab" typeface="Times New Roman"/>
+        <a:font script="Hebr" typeface="Times New Roman"/>
+        <a:font script="Thai" typeface="Angsana New"/>
+        <a:font script="Ethi" typeface="Nyala"/>
+        <a:font script="Beng" typeface="Vrinda"/>
+        <a:font script="Gujr" typeface="Shruti"/>
+        <a:font script="Khmr" typeface="MoolBoran"/>
+        <a:font script="Knda" typeface="Tunga"/>
+        <a:font script="Guru" typeface="Raavi"/>
+        <a:font script="Cans" typeface="Euphemia"/>
+        <a:font script="Cher" typeface="Plantagenet Cherokee"/>
+        <a:font script="Yiii" typeface="Microsoft Yi Baiti"/>
+        <a:font script="Tibt" typeface="Microsoft Himalaya"/>
+        <a:font script="Thaa" typeface="MV Boli"/>
+        <a:font script="Deva" typeface="Mangal"/>
+        <a:font script="Telu" typeface="Gautami"/>
+        <a:font script="Taml" typeface="Latha"/>
+        <a:font script="Syrc" typeface="Estrangelo Edessa"/>
+        <a:font script="Orya" typeface="Kalinga"/>
+        <a:font script="Mlym" typeface="Kartika"/>
+        <a:font script="Laoo" typeface="DokChampa"/>
+        <a:font script="Sinh" typeface="Iskoola Pota"/>
+        <a:font script="Mong" typeface="Mongolian Baiti"/>
+        <a:font script="Viet" typeface="Times New Roman"/>
+        <a:font script="Uigh" typeface="Microsoft Uighur"/>
+        <a:font script="Geor" typeface="Sylfaen"/>
+        <a:font script="Armn" typeface="Arial"/>
+        <a:font script="Bugi" typeface="Leelawadee UI"/>
+        <a:font script="Bopo" typeface="Microsoft JhengHei"/>
+        <a:font script="Java" typeface="Javanese Text"/>
+        <a:font script="Lisu" typeface="Segoe UI"/>
+        <a:font script="Mymr" typeface="Myanmar Text"/>
+        <a:font script="Nkoo" typeface="Ebrima"/>
+        <a:font script="Olck" typeface="Nirmala UI"/>
+        <a:font script="Osma" typeface="Ebrima"/>
+        <a:font script="Phag" typeface="Phagspa"/>
+        <a:font script="Syrn" typeface="Estrangelo Edessa"/>
+        <a:font script="Syrj" typeface="Estrangelo Edessa"/>
+        <a:font script="Syre" typeface="Estrangelo Edessa"/>
+        <a:font script="Sora" typeface="Nirmala UI"/>
+        <a:font script="Tale" typeface="Microsoft Tai Le"/>
+        <a:font script="Talu" typeface="Microsoft New Tai Lue"/>
+        <a:font script="Tfng" typeface="Ebrima"/>
+      </a:majorFont>
+      <a:minorFont>
+        <a:latin typeface="Calibri" panose="020F0502020204030204"/>
+        <a:ea typeface=""/>
+        <a:cs typeface=""/>
+        <a:font script="Jpan" typeface="游ゴシック"/>
+        <a:font script="Hang" typeface="맑은 고딕"/>
+        <a:font script="Hans" typeface="等线"/>
+        <a:font script="Hant" typeface="新細明體"/>
+        <a:font script="Arab" typeface="Arial"/>
+        <a:font script="Hebr" typeface="Arial"/>
+        <a:font script="Thai" typeface="Cordia New"/>
+        <a:font script="Ethi" typeface="Nyala"/>
+        <a:font script="Beng" typeface="Vrinda"/>
+        <a:font script="Gujr" typeface="Shruti"/>
+        <a:font script="Khmr" typeface="DaunPenh"/>
+        <a:font script="Knda" typeface="Tunga"/>
+        <a:font script="Guru" typeface="Raavi"/>
+        <a:font script="Cans" typeface="Euphemia"/>
+        <a:font script="Cher" typeface="Plantagenet Cherokee"/>
+        <a:font script="Yiii" typeface="Microsoft Yi Baiti"/>
+        <a:font script="Tibt" typeface="Microsoft Himalaya"/>
+        <a:font script="Thaa" typeface="MV Boli"/>
+        <a:font script="Deva" typeface="Mangal"/>
+        <a:font script="Telu" typeface="Gautami"/>
+        <a:font script="Taml" typeface="Latha"/>
+        <a:font script="Syrc" typeface="Estrangelo Edessa"/>
+        <a:font script="Orya" typeface="Kalinga"/>
+        <a:font script="Mlym" typeface="Kartika"/>
+        <a:font script="Laoo" typeface="DokChampa"/>
+        <a:font script="Sinh" typeface="Iskoola Pota"/>
+        <a:font script="Mong" typeface="Mongolian Baiti"/>
+        <a:font script="Viet" typeface="Arial"/>
+        <a:font script="Uigh" typeface="Microsoft Uighur"/>
+        <a:font script="Geor" typeface="Sylfaen"/>
+        <a:font script="Armn" typeface="Arial"/>
+        <a:font script="Bugi" typeface="Leelawadee UI"/>
+        <a:font script="Bopo" typeface="Microsoft JhengHei"/>
+        <a:font script="Java" typeface="Javanese Text"/>
+        <a:font script="Lisu" typeface="Segoe UI"/>
+        <a:font script="Mymr" typeface="Myanmar Text"/>
+        <a:font script="Nkoo" typeface="Ebrima"/>
+        <a:font script="Olck" typeface="Nirmala UI"/>
+        <a:font script="Osma" typeface="Ebrima"/>
+        <a:font script="Phag" typeface="Phagspa"/>
+        <a:font script="Syrn" typeface="Estrangelo Edessa"/>
+        <a:font script="Syrj" typeface="Estrangelo Edessa"/>
+        <a:font script="Syre" typeface="Estrangelo Edessa"/>
+        <a:font script="Sora" typeface="Nirmala UI"/>
+        <a:font script="Tale" typeface="Microsoft Tai Le"/>
+        <a:font script="Talu" typeface="Microsoft New Tai Lue"/>
+        <a:font script="Tfng" typeface="Ebrima"/>
+      </a:minorFont>
+    </a:fontScheme>
+    <a:fmtScheme name="Office">
+      <a:fillStyleLst>
+        <a:solidFill>
+          <a:schemeClr val="phClr"/>
+        </a:solidFill>
+        <a:gradFill rotWithShape="1">
+          <a:gsLst>
+            <a:gs pos="0">
+              <a:schemeClr val="phClr">
+                <a:lumMod val="110000"/>
+                <a:satMod val="105000"/>
+                <a:tint val="67000"/>
+              </a:schemeClr>
+            </a:gs>
+            <a:gs pos="50000">
+              <a:schemeClr val="phClr">
+                <a:lumMod val="105000"/>
+                <a:satMod val="103000"/>
+                <a:tint val="73000"/>
+              </a:schemeClr>
+            </a:gs>
+            <a:gs pos="100000">
+              <a:schemeClr val="phClr">
+                <a:lumMod val="105000"/>
+                <a:satMod val="109000"/>
+                <a:tint val="81000"/>
+              </a:schemeClr>
+            </a:gs>
+          </a:gsLst>
+          <a:lin ang="5400000" scaled="0"/>
+        </a:gradFill>
+        <a:gradFill rotWithShape="1">
+          <a:gsLst>
+            <a:gs pos="0">
+              <a:schemeClr val="phClr">
+                <a:satMod val="103000"/>
+                <a:lumMod val="102000"/>
+                <a:tint val="94000"/>
+              </a:schemeClr>
+            </a:gs>
+            <a:gs pos="50000">
+              <a:schemeClr val="phClr">
+                <a:satMod val="110000"/>
+                <a:lumMod val="100000"/>
+                <a:shade val="100000"/>
+              </a:schemeClr>
+            </a:gs>
+            <a:gs pos="100000">
+              <a:schemeClr val="phClr">
+                <a:lumMod val="99000"/>
+                <a:satMod val="120000"/>
+                <a:shade val="78000"/>
+              </a:schemeClr>
+            </a:gs>
+          </a:gsLst>
+          <a:lin ang="5400000" scaled="0"/>
+        </a:gradFill>
+      </a:fillStyleLst>
+      <a:lnStyleLst>
+        <a:ln w="6350" cap="flat" cmpd="sng" algn="ctr">
+          <a:solidFill>
+            <a:schemeClr val="phClr"/>
+          </a:solidFill>
+          <a:prstDash val="solid"/>
+          <a:miter lim="800000"/>
+        </a:ln>
+        <a:ln w="12700" cap="flat" cmpd="sng" algn="ctr">
+          <a:solidFill>
+            <a:schemeClr val="phClr"/>
+          </a:solidFill>
+          <a:prstDash val="solid"/>
+          <a:miter lim="800000"/>
+        </a:ln>
+        <a:ln w="19050" cap="flat" cmpd="sng" algn="ctr">
+          <a:solidFill>
+            <a:schemeClr val="phClr"/>
+          </a:solidFill>
+          <a:prstDash val="solid"/>
+          <a:miter lim="800000"/>
+        </a:ln>
+      </a:lnStyleLst>
+      <a:effectStyleLst>
+        <a:effectStyle>
+          <a:effectLst/>
+        </a:effectStyle>
+        <a:effectStyle>
+          <a:effectLst/>
+        </a:effectStyle>
+        <a:effectStyle>
+          <a:effectLst>
+            <a:outerShdw blurRad="57150" dist="19050" dir="5400000" algn="ctr" rotWithShape="0">
+              <a:srgbClr val="000000">
+                <a:alpha val="63000"/>
+              </a:srgbClr>
+            </a:outerShdw>
+          </a:effectLst>
+        </a:effectStyle>
+      </a:effectStyleLst>
+      <a:bgFillStyleLst>
+        <a:solidFill>
+          <a:schemeClr val="phClr"/>
+        </a:solidFill>
+        <a:solidFill>
+          <a:schemeClr val="phClr">
+            <a:tint val="95000"/>
+            <a:satMod val="170000"/>
+          </a:schemeClr>
+        </a:solidFill>
+        <a:gradFill rotWithShape="1">
+          <a:gsLst>
+            <a:gs pos="0">
+              <a:schemeClr val="phClr">
+                <a:tint val="93000"/>
+                <a:satMod val="150000"/>
+                <a:shade val="98000"/>
+                <a:lumMod val="102000"/>
+              </a:schemeClr>
+            </a:gs>
+            <a:gs pos="50000">
+              <a:schemeClr val="phClr">
+                <a:tint val="98000"/>
+                <a:satMod val="130000"/>
+                <a:shade val="90000"/>
+                <a:lumMod val="103000"/>
+              </a:schemeClr>
+            </a:gs>
+            <a:gs pos="100000">
+              <a:schemeClr val="phClr">
+                <a:shade val="63000"/>
+                <a:satMod val="120000"/>
+              </a:schemeClr>
+            </a:gs>
+          </a:gsLst>
+          <a:lin ang="5400000" scaled="0"/>
+        </a:gradFill>
+      </a:bgFillStyleLst>
+    </a:fmtScheme>
+  </a:themeElements>
+  <a:objectDefaults/>
+  <a:extraClrSchemeLst/>
+  <a:extLst>
+    <a:ext uri="{05A4C25C-085E-4340-85A3-A5531E510DB2}">
+      <thm15:themeFamily xmlns:thm15="http://schemas.microsoft.com/office/thememl/2012/main" name="Office Theme" id="{62F939B6-93AF-4DB8-9C6B-D6C7DFDC589F}" vid="{4A3C46E8-61CC-4603-A589-7422A47A8E4A}"/>
+    </a:ext>
+  </a:extLst>
+</a:theme>
+</file>
+
 <file path=customXml/item1.xml><?xml version="1.0" encoding="utf-8"?>
-<?mso-contentType ?>
-<FormTemplates xmlns="http://schemas.microsoft.com/sharepoint/v3/contenttype/forms">
-  <Display>DocumentLibraryForm</Display>
-  <Edit>DocumentLibraryForm</Edit>
-  <New>DocumentLibraryForm</New>
-</FormTemplates>
+<p:properties xmlns:p="http://schemas.microsoft.com/office/2006/metadata/properties" xmlns:xsi="http://www.w3.org/2001/XMLSchema-instance" xmlns:pc="http://schemas.microsoft.com/office/infopath/2007/PartnerControls">
+  <documentManagement/>
+</p:properties>
 </file>
 
 <file path=customXml/item2.xml><?xml version="1.0" encoding="utf-8"?>
@@ -14908,15 +17059,27 @@
 </file>
 
 <file path=customXml/item3.xml><?xml version="1.0" encoding="utf-8"?>
-<p:properties xmlns:p="http://schemas.microsoft.com/office/2006/metadata/properties" xmlns:xsi="http://www.w3.org/2001/XMLSchema-instance" xmlns:pc="http://schemas.microsoft.com/office/infopath/2007/PartnerControls">
-  <documentManagement/>
-</p:properties>
+<?mso-contentType ?>
+<FormTemplates xmlns="http://schemas.microsoft.com/sharepoint/v3/contenttype/forms">
+  <Display>DocumentLibraryForm</Display>
+  <Edit>DocumentLibraryForm</Edit>
+  <New>DocumentLibraryForm</New>
+</FormTemplates>
 </file>
 
 <file path=customXml/itemProps1.xml><?xml version="1.0" encoding="utf-8"?>
-<ds:datastoreItem xmlns:ds="http://schemas.openxmlformats.org/officeDocument/2006/customXml" ds:itemID="{92B60350-0D53-4858-BF2E-E7968DE3BA2A}">
+<ds:datastoreItem xmlns:ds="http://schemas.openxmlformats.org/officeDocument/2006/customXml" ds:itemID="{82637C41-7C24-4CA0-85B9-150BFD021E9E}">
   <ds:schemaRefs>
-    <ds:schemaRef ds:uri="http://schemas.microsoft.com/sharepoint/v3/contenttype/forms"/>
+    <ds:schemaRef ds:uri="http://purl.org/dc/elements/1.1/"/>
+    <ds:schemaRef ds:uri="http://schemas.microsoft.com/office/2006/metadata/properties"/>
+    <ds:schemaRef ds:uri="8eeca899-c237-45b3-92b5-1d210d313a1f"/>
+    <ds:schemaRef ds:uri="http://purl.org/dc/terms/"/>
+    <ds:schemaRef ds:uri="http://schemas.openxmlformats.org/package/2006/metadata/core-properties"/>
+    <ds:schemaRef ds:uri="http://schemas.microsoft.com/office/2006/documentManagement/types"/>
+    <ds:schemaRef ds:uri="http://schemas.microsoft.com/office/infopath/2007/PartnerControls"/>
+    <ds:schemaRef ds:uri="dd528855-a031-4ba7-abc4-765c5a2fb749"/>
+    <ds:schemaRef ds:uri="http://www.w3.org/XML/1998/namespace"/>
+    <ds:schemaRef ds:uri="http://purl.org/dc/dcmitype/"/>
   </ds:schemaRefs>
 </ds:datastoreItem>
 </file>
@@ -14941,18 +17104,9 @@
 </file>
 
 <file path=customXml/itemProps3.xml><?xml version="1.0" encoding="utf-8"?>
-<ds:datastoreItem xmlns:ds="http://schemas.openxmlformats.org/officeDocument/2006/customXml" ds:itemID="{82637C41-7C24-4CA0-85B9-150BFD021E9E}">
+<ds:datastoreItem xmlns:ds="http://schemas.openxmlformats.org/officeDocument/2006/customXml" ds:itemID="{92B60350-0D53-4858-BF2E-E7968DE3BA2A}">
   <ds:schemaRefs>
-    <ds:schemaRef ds:uri="http://purl.org/dc/elements/1.1/"/>
-    <ds:schemaRef ds:uri="http://schemas.microsoft.com/office/2006/metadata/properties"/>
-    <ds:schemaRef ds:uri="8eeca899-c237-45b3-92b5-1d210d313a1f"/>
-    <ds:schemaRef ds:uri="http://purl.org/dc/terms/"/>
-    <ds:schemaRef ds:uri="http://schemas.openxmlformats.org/package/2006/metadata/core-properties"/>
-    <ds:schemaRef ds:uri="http://schemas.microsoft.com/office/2006/documentManagement/types"/>
-    <ds:schemaRef ds:uri="http://schemas.microsoft.com/office/infopath/2007/PartnerControls"/>
-    <ds:schemaRef ds:uri="dd528855-a031-4ba7-abc4-765c5a2fb749"/>
-    <ds:schemaRef ds:uri="http://www.w3.org/XML/1998/namespace"/>
-    <ds:schemaRef ds:uri="http://purl.org/dc/dcmitype/"/>
+    <ds:schemaRef ds:uri="http://schemas.microsoft.com/sharepoint/v3/contenttype/forms"/>
   </ds:schemaRefs>
 </ds:datastoreItem>
 </file>
--- a/01 - Introduction/documents/Introduction à Deno.pptx
+++ b/01 - Introduction/documents/Introduction à Deno.pptx
@@ -233,7 +233,7 @@
           <a:p>
             <a:fld id="{2037FBD7-2019-4374-937A-AEDD8199B19C}" type="datetimeFigureOut">
               <a:rPr lang="fr-FR" smtClean="0"/>
-              <a:t>31/01/2023</a:t>
+              <a:t>01/02/2023</a:t>
             </a:fld>
             <a:endParaRPr lang="fr-FR"/>
           </a:p>
@@ -2152,7 +2152,7 @@
           <a:p>
             <a:fld id="{CD5AFD8F-5A94-48C1-88E7-572D0183627F}" type="datetimeFigureOut">
               <a:rPr lang="fr-FR" smtClean="0"/>
-              <a:t>31/01/2023</a:t>
+              <a:t>01/02/2023</a:t>
             </a:fld>
             <a:endParaRPr lang="fr-FR"/>
           </a:p>
@@ -2397,7 +2397,7 @@
           <a:p>
             <a:fld id="{CD5AFD8F-5A94-48C1-88E7-572D0183627F}" type="datetimeFigureOut">
               <a:rPr lang="fr-FR" smtClean="0"/>
-              <a:t>31/01/2023</a:t>
+              <a:t>01/02/2023</a:t>
             </a:fld>
             <a:endParaRPr lang="fr-FR"/>
           </a:p>
@@ -2605,7 +2605,7 @@
           <a:p>
             <a:fld id="{CD5AFD8F-5A94-48C1-88E7-572D0183627F}" type="datetimeFigureOut">
               <a:rPr lang="fr-FR" smtClean="0"/>
-              <a:t>31/01/2023</a:t>
+              <a:t>01/02/2023</a:t>
             </a:fld>
             <a:endParaRPr lang="fr-FR"/>
           </a:p>
@@ -2803,7 +2803,7 @@
           <a:p>
             <a:fld id="{CD5AFD8F-5A94-48C1-88E7-572D0183627F}" type="datetimeFigureOut">
               <a:rPr lang="fr-FR" smtClean="0"/>
-              <a:t>31/01/2023</a:t>
+              <a:t>01/02/2023</a:t>
             </a:fld>
             <a:endParaRPr lang="fr-FR"/>
           </a:p>
@@ -3078,7 +3078,7 @@
           <a:p>
             <a:fld id="{CD5AFD8F-5A94-48C1-88E7-572D0183627F}" type="datetimeFigureOut">
               <a:rPr lang="fr-FR" smtClean="0"/>
-              <a:t>31/01/2023</a:t>
+              <a:t>01/02/2023</a:t>
             </a:fld>
             <a:endParaRPr lang="fr-FR"/>
           </a:p>
@@ -3343,7 +3343,7 @@
           <a:p>
             <a:fld id="{CD5AFD8F-5A94-48C1-88E7-572D0183627F}" type="datetimeFigureOut">
               <a:rPr lang="fr-FR" smtClean="0"/>
-              <a:t>31/01/2023</a:t>
+              <a:t>01/02/2023</a:t>
             </a:fld>
             <a:endParaRPr lang="fr-FR"/>
           </a:p>
@@ -3755,7 +3755,7 @@
           <a:p>
             <a:fld id="{CD5AFD8F-5A94-48C1-88E7-572D0183627F}" type="datetimeFigureOut">
               <a:rPr lang="fr-FR" smtClean="0"/>
-              <a:t>31/01/2023</a:t>
+              <a:t>01/02/2023</a:t>
             </a:fld>
             <a:endParaRPr lang="fr-FR"/>
           </a:p>
@@ -3896,7 +3896,7 @@
           <a:p>
             <a:fld id="{CD5AFD8F-5A94-48C1-88E7-572D0183627F}" type="datetimeFigureOut">
               <a:rPr lang="fr-FR" smtClean="0"/>
-              <a:t>31/01/2023</a:t>
+              <a:t>01/02/2023</a:t>
             </a:fld>
             <a:endParaRPr lang="fr-FR"/>
           </a:p>
@@ -4009,7 +4009,7 @@
           <a:p>
             <a:fld id="{CD5AFD8F-5A94-48C1-88E7-572D0183627F}" type="datetimeFigureOut">
               <a:rPr lang="fr-FR" smtClean="0"/>
-              <a:t>31/01/2023</a:t>
+              <a:t>01/02/2023</a:t>
             </a:fld>
             <a:endParaRPr lang="fr-FR"/>
           </a:p>
@@ -4320,7 +4320,7 @@
           <a:p>
             <a:fld id="{CD5AFD8F-5A94-48C1-88E7-572D0183627F}" type="datetimeFigureOut">
               <a:rPr lang="fr-FR" smtClean="0"/>
-              <a:t>31/01/2023</a:t>
+              <a:t>01/02/2023</a:t>
             </a:fld>
             <a:endParaRPr lang="fr-FR"/>
           </a:p>
@@ -4608,7 +4608,7 @@
           <a:p>
             <a:fld id="{CD5AFD8F-5A94-48C1-88E7-572D0183627F}" type="datetimeFigureOut">
               <a:rPr lang="fr-FR" smtClean="0"/>
-              <a:t>31/01/2023</a:t>
+              <a:t>01/02/2023</a:t>
             </a:fld>
             <a:endParaRPr lang="fr-FR"/>
           </a:p>
@@ -4852,7 +4852,7 @@
           <a:p>
             <a:fld id="{CD5AFD8F-5A94-48C1-88E7-572D0183627F}" type="datetimeFigureOut">
               <a:rPr lang="fr-FR" smtClean="0"/>
-              <a:t>31/01/2023</a:t>
+              <a:t>01/02/2023</a:t>
             </a:fld>
             <a:endParaRPr lang="fr-FR"/>
           </a:p>
@@ -9270,7 +9270,7 @@
                   <a:srgbClr val="F9FAFB"/>
                 </a:solidFill>
               </a:rPr>
-              <a:t>Prochaine séance</a:t>
+              <a:t>TP</a:t>
             </a:r>
           </a:p>
         </p:txBody>
@@ -9292,7 +9292,7 @@
         <p:spPr>
           <a:xfrm>
             <a:off x="640080" y="1850008"/>
-            <a:ext cx="7571765" cy="4133490"/>
+            <a:ext cx="6761617" cy="4133490"/>
           </a:xfrm>
           <a:prstGeom prst="rect">
             <a:avLst/>
@@ -9300,7 +9300,7 @@
         </p:spPr>
         <p:txBody>
           <a:bodyPr vert="horz" lIns="91440" tIns="45720" rIns="91440" bIns="45720" rtlCol="0">
-            <a:normAutofit fontScale="92500" lnSpcReduction="10000"/>
+            <a:normAutofit/>
           </a:bodyPr>
           <a:lstStyle>
             <a:lvl1pPr marL="0" indent="0" algn="ctr" defTabSz="914400" rtl="0" eaLnBrk="1" latinLnBrk="0" hangingPunct="1">
@@ -9475,25 +9475,7 @@
                 </a:solidFill>
                 <a:ea typeface="Segoe UI Black" panose="020B0A02040204020203" pitchFamily="34" charset="0"/>
               </a:rPr>
-              <a:t>- Pratique avec le protocole </a:t>
-            </a:r>
-            <a:r>
-              <a:rPr lang="fr-FR" sz="3200" b="1" dirty="0" err="1">
-                <a:solidFill>
-                  <a:srgbClr val="F9FAFB"/>
-                </a:solidFill>
-                <a:ea typeface="Segoe UI Black" panose="020B0A02040204020203" pitchFamily="34" charset="0"/>
-              </a:rPr>
-              <a:t>Oauth</a:t>
-            </a:r>
-            <a:r>
-              <a:rPr lang="fr-FR" sz="3200" b="1" dirty="0">
-                <a:solidFill>
-                  <a:srgbClr val="F9FAFB"/>
-                </a:solidFill>
-                <a:ea typeface="Segoe UI Black" panose="020B0A02040204020203" pitchFamily="34" charset="0"/>
-              </a:rPr>
-              <a:t> 2 -</a:t>
+              <a:t>Pratique avec le protocole Oauth2</a:t>
             </a:r>
           </a:p>
           <a:p>
@@ -9512,39 +9494,7 @@
                   <a:srgbClr val="F2F2F2"/>
                 </a:solidFill>
               </a:rPr>
-              <a:t>Sujet : Faire une application listant les différents serveurs discord d’une personne, et la déployer en </a:t>
-            </a:r>
-            <a:r>
-              <a:rPr lang="fr-FR" dirty="0" err="1">
-                <a:solidFill>
-                  <a:srgbClr val="F2F2F2"/>
-                </a:solidFill>
-              </a:rPr>
-              <a:t>edge</a:t>
-            </a:r>
-            <a:r>
-              <a:rPr lang="fr-FR" dirty="0">
-                <a:solidFill>
-                  <a:srgbClr val="F2F2F2"/>
-                </a:solidFill>
-              </a:rPr>
-              <a:t> </a:t>
-            </a:r>
-            <a:r>
-              <a:rPr lang="fr-FR" dirty="0" err="1">
-                <a:solidFill>
-                  <a:srgbClr val="F2F2F2"/>
-                </a:solidFill>
-              </a:rPr>
-              <a:t>functions</a:t>
-            </a:r>
-            <a:r>
-              <a:rPr lang="fr-FR" dirty="0">
-                <a:solidFill>
-                  <a:srgbClr val="F2F2F2"/>
-                </a:solidFill>
-              </a:rPr>
-              <a:t>.</a:t>
+              <a:t>Sujet : Faire une application listant les différents serveurs discord d’une personne</a:t>
             </a:r>
           </a:p>
           <a:p>
@@ -9557,61 +9507,6 @@
           </a:p>
           <a:p>
             <a:pPr algn="just"/>
-            <a:r>
-              <a:rPr lang="fr-FR" dirty="0">
-                <a:solidFill>
-                  <a:srgbClr val="F2F2F2"/>
-                </a:solidFill>
-              </a:rPr>
-              <a:t>Principe (selon la faisabilité) : </a:t>
-            </a:r>
-          </a:p>
-          <a:p>
-            <a:pPr marL="342900" indent="-342900" algn="just">
-              <a:buFont typeface="Arial" panose="020B0604020202020204" pitchFamily="34" charset="0"/>
-              <a:buChar char="•"/>
-            </a:pPr>
-            <a:r>
-              <a:rPr lang="fr-FR" dirty="0">
-                <a:solidFill>
-                  <a:srgbClr val="F2F2F2"/>
-                </a:solidFill>
-              </a:rPr>
-              <a:t>Un mélange entre cours et TP (</a:t>
-            </a:r>
-            <a:r>
-              <a:rPr lang="fr-FR" dirty="0" err="1">
-                <a:solidFill>
-                  <a:srgbClr val="F2F2F2"/>
-                </a:solidFill>
-              </a:rPr>
-              <a:t>prepared</a:t>
-            </a:r>
-            <a:r>
-              <a:rPr lang="fr-FR" dirty="0">
-                <a:solidFill>
-                  <a:srgbClr val="F2F2F2"/>
-                </a:solidFill>
-              </a:rPr>
-              <a:t> kata)</a:t>
-            </a:r>
-          </a:p>
-          <a:p>
-            <a:pPr marL="342900" indent="-342900" algn="just">
-              <a:buFont typeface="Arial" panose="020B0604020202020204" pitchFamily="34" charset="0"/>
-              <a:buChar char="•"/>
-            </a:pPr>
-            <a:r>
-              <a:rPr lang="fr-FR" dirty="0">
-                <a:solidFill>
-                  <a:srgbClr val="F2F2F2"/>
-                </a:solidFill>
-              </a:rPr>
-              <a:t>Une correction distribuée en PDF</a:t>
-            </a:r>
-          </a:p>
-          <a:p>
-            <a:pPr algn="just"/>
             <a:endParaRPr lang="fr-FR" dirty="0">
               <a:solidFill>
                 <a:srgbClr val="F2F2F2"/>
@@ -9626,17 +9521,17 @@
                   <a:srgbClr val="F2F2F2"/>
                 </a:solidFill>
               </a:rPr>
-              <a:t>Date : 10 février (dans une semaine) si tout va bien</a:t>
+              <a:t>Date de rendu: 02 mars (dans un mois)</a:t>
             </a:r>
           </a:p>
         </p:txBody>
       </p:sp>
       <p:pic>
         <p:nvPicPr>
-          <p:cNvPr id="3" name="Image 2">
-            <a:extLst>
-              <a:ext uri="{FF2B5EF4-FFF2-40B4-BE49-F238E27FC236}">
-                <a16:creationId xmlns:a16="http://schemas.microsoft.com/office/drawing/2014/main" id="{9CC30C9D-DDFE-43E4-814D-791B230371EB}"/>
+          <p:cNvPr id="4" name="Image 3">
+            <a:extLst>
+              <a:ext uri="{FF2B5EF4-FFF2-40B4-BE49-F238E27FC236}">
+                <a16:creationId xmlns:a16="http://schemas.microsoft.com/office/drawing/2014/main" id="{3DFBDB45-86F8-0667-9E5B-CD31A3E81ED0}"/>
               </a:ext>
             </a:extLst>
           </p:cNvPr>
@@ -9653,8 +9548,8 @@
         </p:blipFill>
         <p:spPr>
           <a:xfrm>
-            <a:off x="8359334" y="1850008"/>
-            <a:ext cx="3551981" cy="3405573"/>
+            <a:off x="7555559" y="787645"/>
+            <a:ext cx="4407241" cy="4597678"/>
           </a:xfrm>
           <a:prstGeom prst="rect">
             <a:avLst/>
@@ -16856,9 +16751,12 @@
 </file>
 
 <file path=customXml/item1.xml><?xml version="1.0" encoding="utf-8"?>
-<p:properties xmlns:p="http://schemas.microsoft.com/office/2006/metadata/properties" xmlns:xsi="http://www.w3.org/2001/XMLSchema-instance" xmlns:pc="http://schemas.microsoft.com/office/infopath/2007/PartnerControls">
-  <documentManagement/>
-</p:properties>
+<?mso-contentType ?>
+<FormTemplates xmlns="http://schemas.microsoft.com/sharepoint/v3/contenttype/forms">
+  <Display>DocumentLibraryForm</Display>
+  <Edit>DocumentLibraryForm</Edit>
+  <New>DocumentLibraryForm</New>
+</FormTemplates>
 </file>
 
 <file path=customXml/item2.xml><?xml version="1.0" encoding="utf-8"?>
@@ -17059,27 +16957,15 @@
 </file>
 
 <file path=customXml/item3.xml><?xml version="1.0" encoding="utf-8"?>
-<?mso-contentType ?>
-<FormTemplates xmlns="http://schemas.microsoft.com/sharepoint/v3/contenttype/forms">
-  <Display>DocumentLibraryForm</Display>
-  <Edit>DocumentLibraryForm</Edit>
-  <New>DocumentLibraryForm</New>
-</FormTemplates>
+<p:properties xmlns:p="http://schemas.microsoft.com/office/2006/metadata/properties" xmlns:xsi="http://www.w3.org/2001/XMLSchema-instance" xmlns:pc="http://schemas.microsoft.com/office/infopath/2007/PartnerControls">
+  <documentManagement/>
+</p:properties>
 </file>
 
 <file path=customXml/itemProps1.xml><?xml version="1.0" encoding="utf-8"?>
-<ds:datastoreItem xmlns:ds="http://schemas.openxmlformats.org/officeDocument/2006/customXml" ds:itemID="{82637C41-7C24-4CA0-85B9-150BFD021E9E}">
+<ds:datastoreItem xmlns:ds="http://schemas.openxmlformats.org/officeDocument/2006/customXml" ds:itemID="{92B60350-0D53-4858-BF2E-E7968DE3BA2A}">
   <ds:schemaRefs>
-    <ds:schemaRef ds:uri="http://purl.org/dc/elements/1.1/"/>
-    <ds:schemaRef ds:uri="http://schemas.microsoft.com/office/2006/metadata/properties"/>
-    <ds:schemaRef ds:uri="8eeca899-c237-45b3-92b5-1d210d313a1f"/>
-    <ds:schemaRef ds:uri="http://purl.org/dc/terms/"/>
-    <ds:schemaRef ds:uri="http://schemas.openxmlformats.org/package/2006/metadata/core-properties"/>
-    <ds:schemaRef ds:uri="http://schemas.microsoft.com/office/2006/documentManagement/types"/>
-    <ds:schemaRef ds:uri="http://schemas.microsoft.com/office/infopath/2007/PartnerControls"/>
-    <ds:schemaRef ds:uri="dd528855-a031-4ba7-abc4-765c5a2fb749"/>
-    <ds:schemaRef ds:uri="http://www.w3.org/XML/1998/namespace"/>
-    <ds:schemaRef ds:uri="http://purl.org/dc/dcmitype/"/>
+    <ds:schemaRef ds:uri="http://schemas.microsoft.com/sharepoint/v3/contenttype/forms"/>
   </ds:schemaRefs>
 </ds:datastoreItem>
 </file>
@@ -17104,9 +16990,18 @@
 </file>
 
 <file path=customXml/itemProps3.xml><?xml version="1.0" encoding="utf-8"?>
-<ds:datastoreItem xmlns:ds="http://schemas.openxmlformats.org/officeDocument/2006/customXml" ds:itemID="{92B60350-0D53-4858-BF2E-E7968DE3BA2A}">
+<ds:datastoreItem xmlns:ds="http://schemas.openxmlformats.org/officeDocument/2006/customXml" ds:itemID="{82637C41-7C24-4CA0-85B9-150BFD021E9E}">
   <ds:schemaRefs>
-    <ds:schemaRef ds:uri="http://schemas.microsoft.com/sharepoint/v3/contenttype/forms"/>
+    <ds:schemaRef ds:uri="http://purl.org/dc/elements/1.1/"/>
+    <ds:schemaRef ds:uri="http://schemas.microsoft.com/office/2006/metadata/properties"/>
+    <ds:schemaRef ds:uri="8eeca899-c237-45b3-92b5-1d210d313a1f"/>
+    <ds:schemaRef ds:uri="http://purl.org/dc/terms/"/>
+    <ds:schemaRef ds:uri="http://schemas.openxmlformats.org/package/2006/metadata/core-properties"/>
+    <ds:schemaRef ds:uri="http://schemas.microsoft.com/office/2006/documentManagement/types"/>
+    <ds:schemaRef ds:uri="http://schemas.microsoft.com/office/infopath/2007/PartnerControls"/>
+    <ds:schemaRef ds:uri="dd528855-a031-4ba7-abc4-765c5a2fb749"/>
+    <ds:schemaRef ds:uri="http://www.w3.org/XML/1998/namespace"/>
+    <ds:schemaRef ds:uri="http://purl.org/dc/dcmitype/"/>
   </ds:schemaRefs>
 </ds:datastoreItem>
 </file>
--- a/01 - Introduction/documents/Introduction à Deno.pptx
+++ b/01 - Introduction/documents/Introduction à Deno.pptx
@@ -233,7 +233,7 @@
           <a:p>
             <a:fld id="{2037FBD7-2019-4374-937A-AEDD8199B19C}" type="datetimeFigureOut">
               <a:rPr lang="fr-FR" smtClean="0"/>
-              <a:t>01/02/2023</a:t>
+              <a:t>02/02/2023</a:t>
             </a:fld>
             <a:endParaRPr lang="fr-FR"/>
           </a:p>
@@ -2152,7 +2152,7 @@
           <a:p>
             <a:fld id="{CD5AFD8F-5A94-48C1-88E7-572D0183627F}" type="datetimeFigureOut">
               <a:rPr lang="fr-FR" smtClean="0"/>
-              <a:t>01/02/2023</a:t>
+              <a:t>02/02/2023</a:t>
             </a:fld>
             <a:endParaRPr lang="fr-FR"/>
           </a:p>
@@ -2397,7 +2397,7 @@
           <a:p>
             <a:fld id="{CD5AFD8F-5A94-48C1-88E7-572D0183627F}" type="datetimeFigureOut">
               <a:rPr lang="fr-FR" smtClean="0"/>
-              <a:t>01/02/2023</a:t>
+              <a:t>02/02/2023</a:t>
             </a:fld>
             <a:endParaRPr lang="fr-FR"/>
           </a:p>
@@ -2605,7 +2605,7 @@
           <a:p>
             <a:fld id="{CD5AFD8F-5A94-48C1-88E7-572D0183627F}" type="datetimeFigureOut">
               <a:rPr lang="fr-FR" smtClean="0"/>
-              <a:t>01/02/2023</a:t>
+              <a:t>02/02/2023</a:t>
             </a:fld>
             <a:endParaRPr lang="fr-FR"/>
           </a:p>
@@ -2803,7 +2803,7 @@
           <a:p>
             <a:fld id="{CD5AFD8F-5A94-48C1-88E7-572D0183627F}" type="datetimeFigureOut">
               <a:rPr lang="fr-FR" smtClean="0"/>
-              <a:t>01/02/2023</a:t>
+              <a:t>02/02/2023</a:t>
             </a:fld>
             <a:endParaRPr lang="fr-FR"/>
           </a:p>
@@ -3078,7 +3078,7 @@
           <a:p>
             <a:fld id="{CD5AFD8F-5A94-48C1-88E7-572D0183627F}" type="datetimeFigureOut">
               <a:rPr lang="fr-FR" smtClean="0"/>
-              <a:t>01/02/2023</a:t>
+              <a:t>02/02/2023</a:t>
             </a:fld>
             <a:endParaRPr lang="fr-FR"/>
           </a:p>
@@ -3343,7 +3343,7 @@
           <a:p>
             <a:fld id="{CD5AFD8F-5A94-48C1-88E7-572D0183627F}" type="datetimeFigureOut">
               <a:rPr lang="fr-FR" smtClean="0"/>
-              <a:t>01/02/2023</a:t>
+              <a:t>02/02/2023</a:t>
             </a:fld>
             <a:endParaRPr lang="fr-FR"/>
           </a:p>
@@ -3755,7 +3755,7 @@
           <a:p>
             <a:fld id="{CD5AFD8F-5A94-48C1-88E7-572D0183627F}" type="datetimeFigureOut">
               <a:rPr lang="fr-FR" smtClean="0"/>
-              <a:t>01/02/2023</a:t>
+              <a:t>02/02/2023</a:t>
             </a:fld>
             <a:endParaRPr lang="fr-FR"/>
           </a:p>
@@ -3896,7 +3896,7 @@
           <a:p>
             <a:fld id="{CD5AFD8F-5A94-48C1-88E7-572D0183627F}" type="datetimeFigureOut">
               <a:rPr lang="fr-FR" smtClean="0"/>
-              <a:t>01/02/2023</a:t>
+              <a:t>02/02/2023</a:t>
             </a:fld>
             <a:endParaRPr lang="fr-FR"/>
           </a:p>
@@ -4009,7 +4009,7 @@
           <a:p>
             <a:fld id="{CD5AFD8F-5A94-48C1-88E7-572D0183627F}" type="datetimeFigureOut">
               <a:rPr lang="fr-FR" smtClean="0"/>
-              <a:t>01/02/2023</a:t>
+              <a:t>02/02/2023</a:t>
             </a:fld>
             <a:endParaRPr lang="fr-FR"/>
           </a:p>
@@ -4320,7 +4320,7 @@
           <a:p>
             <a:fld id="{CD5AFD8F-5A94-48C1-88E7-572D0183627F}" type="datetimeFigureOut">
               <a:rPr lang="fr-FR" smtClean="0"/>
-              <a:t>01/02/2023</a:t>
+              <a:t>02/02/2023</a:t>
             </a:fld>
             <a:endParaRPr lang="fr-FR"/>
           </a:p>
@@ -4608,7 +4608,7 @@
           <a:p>
             <a:fld id="{CD5AFD8F-5A94-48C1-88E7-572D0183627F}" type="datetimeFigureOut">
               <a:rPr lang="fr-FR" smtClean="0"/>
-              <a:t>01/02/2023</a:t>
+              <a:t>02/02/2023</a:t>
             </a:fld>
             <a:endParaRPr lang="fr-FR"/>
           </a:p>
@@ -4852,7 +4852,7 @@
           <a:p>
             <a:fld id="{CD5AFD8F-5A94-48C1-88E7-572D0183627F}" type="datetimeFigureOut">
               <a:rPr lang="fr-FR" smtClean="0"/>
-              <a:t>01/02/2023</a:t>
+              <a:t>02/02/2023</a:t>
             </a:fld>
             <a:endParaRPr lang="fr-FR"/>
           </a:p>
@@ -5451,7 +5451,7 @@
         </p:nvSpPr>
         <p:spPr>
           <a:xfrm>
-            <a:off x="5359077" y="1543368"/>
+            <a:off x="5967438" y="0"/>
             <a:ext cx="6503907" cy="2387600"/>
           </a:xfrm>
         </p:spPr>
@@ -5681,6 +5681,120 @@
               <a:ea typeface="Source Sans Pro SemiBold" panose="020B0603030403020204" pitchFamily="34" charset="0"/>
               <a:cs typeface="Segoe UI" panose="020B0502040204020203" pitchFamily="34" charset="0"/>
             </a:endParaRPr>
+          </a:p>
+        </p:txBody>
+      </p:sp>
+      <p:sp>
+        <p:nvSpPr>
+          <p:cNvPr id="5" name="ZoneTexte 4">
+            <a:extLst>
+              <a:ext uri="{FF2B5EF4-FFF2-40B4-BE49-F238E27FC236}">
+                <a16:creationId xmlns:a16="http://schemas.microsoft.com/office/drawing/2014/main" id="{A6500D4C-7127-789A-DFB9-465320D3921D}"/>
+              </a:ext>
+            </a:extLst>
+          </p:cNvPr>
+          <p:cNvSpPr txBox="1"/>
+          <p:nvPr/>
+        </p:nvSpPr>
+        <p:spPr>
+          <a:xfrm>
+            <a:off x="6096000" y="3345301"/>
+            <a:ext cx="5717059" cy="1815882"/>
+          </a:xfrm>
+          <a:prstGeom prst="rect">
+            <a:avLst/>
+          </a:prstGeom>
+          <a:noFill/>
+        </p:spPr>
+        <p:txBody>
+          <a:bodyPr wrap="square" rtlCol="0">
+            <a:spAutoFit/>
+          </a:bodyPr>
+          <a:lstStyle/>
+          <a:p>
+            <a:pPr algn="r"/>
+            <a:r>
+              <a:rPr lang="fr-FR" sz="2400" b="1" dirty="0">
+                <a:solidFill>
+                  <a:schemeClr val="bg1"/>
+                </a:solidFill>
+                <a:latin typeface="Segoe UI" panose="020B0502040204020203" pitchFamily="34" charset="0"/>
+                <a:cs typeface="Segoe UI" panose="020B0502040204020203" pitchFamily="34" charset="0"/>
+              </a:rPr>
+              <a:t>Réalisez un backend javascript</a:t>
+            </a:r>
+          </a:p>
+          <a:p>
+            <a:pPr algn="r"/>
+            <a:r>
+              <a:rPr lang="fr-FR" sz="2400" b="1" dirty="0">
+                <a:solidFill>
+                  <a:schemeClr val="bg1"/>
+                </a:solidFill>
+                <a:latin typeface="Segoe UI" panose="020B0502040204020203" pitchFamily="34" charset="0"/>
+                <a:cs typeface="Segoe UI" panose="020B0502040204020203" pitchFamily="34" charset="0"/>
+              </a:rPr>
+              <a:t>très facilement avec </a:t>
+            </a:r>
+            <a:r>
+              <a:rPr lang="fr-FR" sz="2400" b="1" dirty="0" err="1">
+                <a:solidFill>
+                  <a:schemeClr val="bg1"/>
+                </a:solidFill>
+                <a:latin typeface="Segoe UI" panose="020B0502040204020203" pitchFamily="34" charset="0"/>
+                <a:cs typeface="Segoe UI" panose="020B0502040204020203" pitchFamily="34" charset="0"/>
+              </a:rPr>
+              <a:t>Deno</a:t>
+            </a:r>
+            <a:endParaRPr lang="fr-FR" sz="2400" b="1" dirty="0">
+              <a:solidFill>
+                <a:schemeClr val="bg1"/>
+              </a:solidFill>
+              <a:latin typeface="Segoe UI" panose="020B0502040204020203" pitchFamily="34" charset="0"/>
+              <a:cs typeface="Segoe UI" panose="020B0502040204020203" pitchFamily="34" charset="0"/>
+            </a:endParaRPr>
+          </a:p>
+          <a:p>
+            <a:pPr algn="r"/>
+            <a:endParaRPr lang="fr-FR" sz="2400" b="1" dirty="0">
+              <a:solidFill>
+                <a:schemeClr val="bg1">
+                  <a:lumMod val="75000"/>
+                </a:schemeClr>
+              </a:solidFill>
+              <a:latin typeface="Segoe UI" panose="020B0502040204020203" pitchFamily="34" charset="0"/>
+              <a:cs typeface="Segoe UI" panose="020B0502040204020203" pitchFamily="34" charset="0"/>
+            </a:endParaRPr>
+          </a:p>
+          <a:p>
+            <a:pPr algn="r"/>
+            <a:r>
+              <a:rPr lang="fr-FR" sz="2000" b="1" dirty="0">
+                <a:solidFill>
+                  <a:schemeClr val="bg1">
+                    <a:lumMod val="75000"/>
+                  </a:schemeClr>
+                </a:solidFill>
+                <a:latin typeface="Segoe UI" panose="020B0502040204020203" pitchFamily="34" charset="0"/>
+                <a:cs typeface="Segoe UI" panose="020B0502040204020203" pitchFamily="34" charset="0"/>
+              </a:rPr>
+              <a:t>Jeudi 02 Février 2022</a:t>
+            </a:r>
+          </a:p>
+          <a:p>
+            <a:pPr algn="r"/>
+            <a:r>
+              <a:rPr lang="fr-FR" sz="2000" b="1" dirty="0">
+                <a:solidFill>
+                  <a:schemeClr val="bg1">
+                    <a:lumMod val="75000"/>
+                  </a:schemeClr>
+                </a:solidFill>
+                <a:latin typeface="Segoe UI" panose="020B0502040204020203" pitchFamily="34" charset="0"/>
+                <a:cs typeface="Segoe UI" panose="020B0502040204020203" pitchFamily="34" charset="0"/>
+              </a:rPr>
+              <a:t>A202+Discord, 17h30</a:t>
+            </a:r>
           </a:p>
         </p:txBody>
       </p:sp>
@@ -16751,12 +16865,9 @@
 </file>
 
 <file path=customXml/item1.xml><?xml version="1.0" encoding="utf-8"?>
-<?mso-contentType ?>
-<FormTemplates xmlns="http://schemas.microsoft.com/sharepoint/v3/contenttype/forms">
-  <Display>DocumentLibraryForm</Display>
-  <Edit>DocumentLibraryForm</Edit>
-  <New>DocumentLibraryForm</New>
-</FormTemplates>
+<p:properties xmlns:p="http://schemas.microsoft.com/office/2006/metadata/properties" xmlns:xsi="http://www.w3.org/2001/XMLSchema-instance" xmlns:pc="http://schemas.microsoft.com/office/infopath/2007/PartnerControls">
+  <documentManagement/>
+</p:properties>
 </file>
 
 <file path=customXml/item2.xml><?xml version="1.0" encoding="utf-8"?>
@@ -16957,15 +17068,27 @@
 </file>
 
 <file path=customXml/item3.xml><?xml version="1.0" encoding="utf-8"?>
-<p:properties xmlns:p="http://schemas.microsoft.com/office/2006/metadata/properties" xmlns:xsi="http://www.w3.org/2001/XMLSchema-instance" xmlns:pc="http://schemas.microsoft.com/office/infopath/2007/PartnerControls">
-  <documentManagement/>
-</p:properties>
+<?mso-contentType ?>
+<FormTemplates xmlns="http://schemas.microsoft.com/sharepoint/v3/contenttype/forms">
+  <Display>DocumentLibraryForm</Display>
+  <Edit>DocumentLibraryForm</Edit>
+  <New>DocumentLibraryForm</New>
+</FormTemplates>
 </file>
 
 <file path=customXml/itemProps1.xml><?xml version="1.0" encoding="utf-8"?>
-<ds:datastoreItem xmlns:ds="http://schemas.openxmlformats.org/officeDocument/2006/customXml" ds:itemID="{92B60350-0D53-4858-BF2E-E7968DE3BA2A}">
+<ds:datastoreItem xmlns:ds="http://schemas.openxmlformats.org/officeDocument/2006/customXml" ds:itemID="{82637C41-7C24-4CA0-85B9-150BFD021E9E}">
   <ds:schemaRefs>
-    <ds:schemaRef ds:uri="http://schemas.microsoft.com/sharepoint/v3/contenttype/forms"/>
+    <ds:schemaRef ds:uri="http://purl.org/dc/elements/1.1/"/>
+    <ds:schemaRef ds:uri="http://schemas.microsoft.com/office/2006/metadata/properties"/>
+    <ds:schemaRef ds:uri="8eeca899-c237-45b3-92b5-1d210d313a1f"/>
+    <ds:schemaRef ds:uri="http://purl.org/dc/terms/"/>
+    <ds:schemaRef ds:uri="http://schemas.openxmlformats.org/package/2006/metadata/core-properties"/>
+    <ds:schemaRef ds:uri="http://schemas.microsoft.com/office/2006/documentManagement/types"/>
+    <ds:schemaRef ds:uri="http://schemas.microsoft.com/office/infopath/2007/PartnerControls"/>
+    <ds:schemaRef ds:uri="dd528855-a031-4ba7-abc4-765c5a2fb749"/>
+    <ds:schemaRef ds:uri="http://www.w3.org/XML/1998/namespace"/>
+    <ds:schemaRef ds:uri="http://purl.org/dc/dcmitype/"/>
   </ds:schemaRefs>
 </ds:datastoreItem>
 </file>
@@ -16990,18 +17113,9 @@
 </file>
 
 <file path=customXml/itemProps3.xml><?xml version="1.0" encoding="utf-8"?>
-<ds:datastoreItem xmlns:ds="http://schemas.openxmlformats.org/officeDocument/2006/customXml" ds:itemID="{82637C41-7C24-4CA0-85B9-150BFD021E9E}">
+<ds:datastoreItem xmlns:ds="http://schemas.openxmlformats.org/officeDocument/2006/customXml" ds:itemID="{92B60350-0D53-4858-BF2E-E7968DE3BA2A}">
   <ds:schemaRefs>
-    <ds:schemaRef ds:uri="http://purl.org/dc/elements/1.1/"/>
-    <ds:schemaRef ds:uri="http://schemas.microsoft.com/office/2006/metadata/properties"/>
-    <ds:schemaRef ds:uri="8eeca899-c237-45b3-92b5-1d210d313a1f"/>
-    <ds:schemaRef ds:uri="http://purl.org/dc/terms/"/>
-    <ds:schemaRef ds:uri="http://schemas.openxmlformats.org/package/2006/metadata/core-properties"/>
-    <ds:schemaRef ds:uri="http://schemas.microsoft.com/office/2006/documentManagement/types"/>
-    <ds:schemaRef ds:uri="http://schemas.microsoft.com/office/infopath/2007/PartnerControls"/>
-    <ds:schemaRef ds:uri="dd528855-a031-4ba7-abc4-765c5a2fb749"/>
-    <ds:schemaRef ds:uri="http://www.w3.org/XML/1998/namespace"/>
-    <ds:schemaRef ds:uri="http://purl.org/dc/dcmitype/"/>
+    <ds:schemaRef ds:uri="http://schemas.microsoft.com/sharepoint/v3/contenttype/forms"/>
   </ds:schemaRefs>
 </ds:datastoreItem>
 </file>